--- a/Capseome Project Team 2.pptx
+++ b/Capseome Project Team 2.pptx
@@ -9,8 +9,9 @@
     <p:sldId id="258" r:id="rId3"/>
     <p:sldId id="262" r:id="rId4"/>
     <p:sldId id="259" r:id="rId5"/>
-    <p:sldId id="260" r:id="rId6"/>
-    <p:sldId id="261" r:id="rId7"/>
+    <p:sldId id="263" r:id="rId6"/>
+    <p:sldId id="260" r:id="rId7"/>
+    <p:sldId id="261" r:id="rId8"/>
   </p:sldIdLst>
   <p:sldSz cx="9144000" cy="5143500" type="screen16x9"/>
   <p:notesSz cx="6858000" cy="9144000"/>
@@ -1623,6 +1624,927 @@
 </file>
 
 <file path=ppt/diagrams/colors3.xml><?xml version="1.0" encoding="utf-8"?>
+<dgm:colorsDef xmlns:dgm="http://schemas.openxmlformats.org/drawingml/2006/diagram" xmlns:a="http://schemas.openxmlformats.org/drawingml/2006/main" uniqueId="urn:microsoft.com/office/officeart/2018/5/colors/Iconchunking_neutralbg_colorful1">
+  <dgm:title val=""/>
+  <dgm:desc val=""/>
+  <dgm:catLst>
+    <dgm:cat type="colorful" pri="10100"/>
+  </dgm:catLst>
+  <dgm:styleLbl name="node0">
+    <dgm:fillClrLst meth="repeat">
+      <a:schemeClr val="accent1"/>
+    </dgm:fillClrLst>
+    <dgm:linClrLst meth="repeat">
+      <a:schemeClr val="lt1"/>
+    </dgm:linClrLst>
+    <dgm:effectClrLst/>
+    <dgm:txLinClrLst/>
+    <dgm:txFillClrLst/>
+    <dgm:txEffectClrLst/>
+  </dgm:styleLbl>
+  <dgm:styleLbl name="node1">
+    <dgm:fillClrLst meth="repeat">
+      <a:schemeClr val="accent2"/>
+      <a:schemeClr val="accent3"/>
+      <a:schemeClr val="accent4"/>
+      <a:schemeClr val="accent5"/>
+      <a:schemeClr val="accent6"/>
+    </dgm:fillClrLst>
+    <dgm:linClrLst meth="repeat">
+      <a:schemeClr val="lt1">
+        <a:alpha val="0"/>
+      </a:schemeClr>
+    </dgm:linClrLst>
+    <dgm:effectClrLst/>
+    <dgm:txLinClrLst/>
+    <dgm:txFillClrLst/>
+    <dgm:txEffectClrLst/>
+  </dgm:styleLbl>
+  <dgm:styleLbl name="alignNode1">
+    <dgm:fillClrLst meth="repeat">
+      <a:schemeClr val="accent2"/>
+      <a:schemeClr val="accent3"/>
+      <a:schemeClr val="accent4"/>
+      <a:schemeClr val="accent5"/>
+      <a:schemeClr val="accent6"/>
+    </dgm:fillClrLst>
+    <dgm:linClrLst meth="repeat">
+      <a:schemeClr val="accent2"/>
+      <a:schemeClr val="accent3"/>
+      <a:schemeClr val="accent4"/>
+      <a:schemeClr val="accent5"/>
+      <a:schemeClr val="accent6"/>
+    </dgm:linClrLst>
+    <dgm:effectClrLst/>
+    <dgm:txLinClrLst/>
+    <dgm:txFillClrLst/>
+    <dgm:txEffectClrLst/>
+  </dgm:styleLbl>
+  <dgm:styleLbl name="lnNode1">
+    <dgm:fillClrLst meth="repeat">
+      <a:schemeClr val="accent2"/>
+      <a:schemeClr val="accent3"/>
+      <a:schemeClr val="accent4"/>
+      <a:schemeClr val="accent5"/>
+      <a:schemeClr val="accent6"/>
+    </dgm:fillClrLst>
+    <dgm:linClrLst meth="repeat">
+      <a:schemeClr val="lt1"/>
+    </dgm:linClrLst>
+    <dgm:effectClrLst/>
+    <dgm:txLinClrLst/>
+    <dgm:txFillClrLst/>
+    <dgm:txEffectClrLst/>
+  </dgm:styleLbl>
+  <dgm:styleLbl name="vennNode1">
+    <dgm:fillClrLst meth="repeat">
+      <a:schemeClr val="accent2">
+        <a:alpha val="50000"/>
+      </a:schemeClr>
+      <a:schemeClr val="accent3">
+        <a:alpha val="50000"/>
+      </a:schemeClr>
+      <a:schemeClr val="accent4">
+        <a:alpha val="50000"/>
+      </a:schemeClr>
+      <a:schemeClr val="accent5">
+        <a:alpha val="50000"/>
+      </a:schemeClr>
+      <a:schemeClr val="accent6">
+        <a:alpha val="50000"/>
+      </a:schemeClr>
+    </dgm:fillClrLst>
+    <dgm:linClrLst meth="repeat">
+      <a:schemeClr val="lt1"/>
+    </dgm:linClrLst>
+    <dgm:effectClrLst/>
+    <dgm:txLinClrLst/>
+    <dgm:txFillClrLst/>
+    <dgm:txEffectClrLst/>
+  </dgm:styleLbl>
+  <dgm:styleLbl name="node2">
+    <dgm:fillClrLst>
+      <a:schemeClr val="accent2"/>
+    </dgm:fillClrLst>
+    <dgm:linClrLst meth="repeat">
+      <a:schemeClr val="lt1"/>
+    </dgm:linClrLst>
+    <dgm:effectClrLst/>
+    <dgm:txLinClrLst/>
+    <dgm:txFillClrLst/>
+    <dgm:txEffectClrLst/>
+  </dgm:styleLbl>
+  <dgm:styleLbl name="node3">
+    <dgm:fillClrLst>
+      <a:schemeClr val="accent3"/>
+    </dgm:fillClrLst>
+    <dgm:linClrLst meth="repeat">
+      <a:schemeClr val="lt1"/>
+    </dgm:linClrLst>
+    <dgm:effectClrLst/>
+    <dgm:txLinClrLst/>
+    <dgm:txFillClrLst/>
+    <dgm:txEffectClrLst/>
+  </dgm:styleLbl>
+  <dgm:styleLbl name="node4">
+    <dgm:fillClrLst>
+      <a:schemeClr val="accent4"/>
+    </dgm:fillClrLst>
+    <dgm:linClrLst meth="repeat">
+      <a:schemeClr val="lt1"/>
+    </dgm:linClrLst>
+    <dgm:effectClrLst/>
+    <dgm:txLinClrLst/>
+    <dgm:txFillClrLst/>
+    <dgm:txEffectClrLst/>
+  </dgm:styleLbl>
+  <dgm:styleLbl name="fgImgPlace1">
+    <dgm:fillClrLst meth="repeat">
+      <a:schemeClr val="accent2">
+        <a:tint val="50000"/>
+      </a:schemeClr>
+      <a:schemeClr val="accent3">
+        <a:tint val="50000"/>
+      </a:schemeClr>
+      <a:schemeClr val="accent4">
+        <a:tint val="50000"/>
+      </a:schemeClr>
+      <a:schemeClr val="accent5">
+        <a:tint val="50000"/>
+      </a:schemeClr>
+      <a:schemeClr val="accent6">
+        <a:tint val="50000"/>
+      </a:schemeClr>
+    </dgm:fillClrLst>
+    <dgm:linClrLst meth="repeat">
+      <a:schemeClr val="lt1"/>
+    </dgm:linClrLst>
+    <dgm:effectClrLst/>
+    <dgm:txLinClrLst/>
+    <dgm:txFillClrLst meth="repeat">
+      <a:schemeClr val="lt1"/>
+    </dgm:txFillClrLst>
+    <dgm:txEffectClrLst/>
+  </dgm:styleLbl>
+  <dgm:styleLbl name="alignImgPlace1">
+    <dgm:fillClrLst>
+      <a:schemeClr val="accent1">
+        <a:tint val="50000"/>
+      </a:schemeClr>
+      <a:schemeClr val="accent2">
+        <a:tint val="20000"/>
+      </a:schemeClr>
+    </dgm:fillClrLst>
+    <dgm:linClrLst meth="repeat">
+      <a:schemeClr val="lt1"/>
+    </dgm:linClrLst>
+    <dgm:effectClrLst/>
+    <dgm:txLinClrLst/>
+    <dgm:txFillClrLst meth="repeat">
+      <a:schemeClr val="lt1"/>
+    </dgm:txFillClrLst>
+    <dgm:txEffectClrLst/>
+  </dgm:styleLbl>
+  <dgm:styleLbl name="bgImgPlace1">
+    <dgm:fillClrLst>
+      <a:schemeClr val="accent1">
+        <a:tint val="50000"/>
+      </a:schemeClr>
+      <a:schemeClr val="accent2">
+        <a:tint val="20000"/>
+      </a:schemeClr>
+    </dgm:fillClrLst>
+    <dgm:linClrLst meth="repeat">
+      <a:schemeClr val="lt1"/>
+    </dgm:linClrLst>
+    <dgm:effectClrLst/>
+    <dgm:txLinClrLst/>
+    <dgm:txFillClrLst meth="repeat">
+      <a:schemeClr val="lt1"/>
+    </dgm:txFillClrLst>
+    <dgm:txEffectClrLst/>
+  </dgm:styleLbl>
+  <dgm:styleLbl name="sibTrans2D1">
+    <dgm:fillClrLst meth="repeat">
+      <a:schemeClr val="accent2"/>
+      <a:schemeClr val="accent3"/>
+      <a:schemeClr val="accent4"/>
+      <a:schemeClr val="accent5"/>
+      <a:schemeClr val="accent6"/>
+    </dgm:fillClrLst>
+    <dgm:linClrLst meth="cycle">
+      <a:schemeClr val="lt1"/>
+    </dgm:linClrLst>
+    <dgm:effectClrLst/>
+    <dgm:txLinClrLst/>
+    <dgm:txFillClrLst/>
+    <dgm:txEffectClrLst/>
+  </dgm:styleLbl>
+  <dgm:styleLbl name="fgSibTrans2D1">
+    <dgm:fillClrLst meth="repeat">
+      <a:schemeClr val="accent2"/>
+      <a:schemeClr val="accent3"/>
+      <a:schemeClr val="accent4"/>
+      <a:schemeClr val="accent5"/>
+      <a:schemeClr val="accent6"/>
+    </dgm:fillClrLst>
+    <dgm:linClrLst meth="cycle">
+      <a:schemeClr val="lt1"/>
+    </dgm:linClrLst>
+    <dgm:effectClrLst/>
+    <dgm:txLinClrLst/>
+    <dgm:txFillClrLst meth="repeat">
+      <a:schemeClr val="lt1"/>
+    </dgm:txFillClrLst>
+    <dgm:txEffectClrLst/>
+  </dgm:styleLbl>
+  <dgm:styleLbl name="bgSibTrans2D1">
+    <dgm:fillClrLst meth="repeat">
+      <a:schemeClr val="accent2"/>
+      <a:schemeClr val="accent3"/>
+      <a:schemeClr val="accent4"/>
+      <a:schemeClr val="accent5"/>
+      <a:schemeClr val="accent6"/>
+    </dgm:fillClrLst>
+    <dgm:linClrLst meth="cycle">
+      <a:schemeClr val="lt1"/>
+    </dgm:linClrLst>
+    <dgm:effectClrLst/>
+    <dgm:txLinClrLst/>
+    <dgm:txFillClrLst meth="repeat">
+      <a:schemeClr val="lt1"/>
+    </dgm:txFillClrLst>
+    <dgm:txEffectClrLst/>
+  </dgm:styleLbl>
+  <dgm:styleLbl name="sibTrans1D1">
+    <dgm:fillClrLst meth="repeat">
+      <a:schemeClr val="accent2"/>
+      <a:schemeClr val="accent3"/>
+      <a:schemeClr val="accent4"/>
+      <a:schemeClr val="accent5"/>
+      <a:schemeClr val="accent6"/>
+    </dgm:fillClrLst>
+    <dgm:linClrLst meth="repeat">
+      <a:schemeClr val="accent2"/>
+      <a:schemeClr val="accent3"/>
+      <a:schemeClr val="accent4"/>
+      <a:schemeClr val="accent5"/>
+      <a:schemeClr val="accent6"/>
+    </dgm:linClrLst>
+    <dgm:effectClrLst/>
+    <dgm:txLinClrLst/>
+    <dgm:txFillClrLst meth="repeat">
+      <a:schemeClr val="tx1"/>
+    </dgm:txFillClrLst>
+    <dgm:txEffectClrLst/>
+  </dgm:styleLbl>
+  <dgm:styleLbl name="callout">
+    <dgm:fillClrLst meth="repeat">
+      <a:schemeClr val="accent2"/>
+    </dgm:fillClrLst>
+    <dgm:linClrLst meth="repeat">
+      <a:schemeClr val="accent2">
+        <a:tint val="50000"/>
+      </a:schemeClr>
+    </dgm:linClrLst>
+    <dgm:effectClrLst/>
+    <dgm:txLinClrLst/>
+    <dgm:txFillClrLst meth="repeat">
+      <a:schemeClr val="tx1"/>
+    </dgm:txFillClrLst>
+    <dgm:txEffectClrLst/>
+  </dgm:styleLbl>
+  <dgm:styleLbl name="asst0">
+    <dgm:fillClrLst meth="repeat">
+      <a:schemeClr val="accent1"/>
+    </dgm:fillClrLst>
+    <dgm:linClrLst meth="repeat">
+      <a:schemeClr val="lt1"/>
+    </dgm:linClrLst>
+    <dgm:effectClrLst/>
+    <dgm:txLinClrLst/>
+    <dgm:txFillClrLst/>
+    <dgm:txEffectClrLst/>
+  </dgm:styleLbl>
+  <dgm:styleLbl name="asst1">
+    <dgm:fillClrLst meth="repeat">
+      <a:schemeClr val="accent2"/>
+    </dgm:fillClrLst>
+    <dgm:linClrLst meth="repeat">
+      <a:schemeClr val="lt1"/>
+    </dgm:linClrLst>
+    <dgm:effectClrLst/>
+    <dgm:txLinClrLst/>
+    <dgm:txFillClrLst/>
+    <dgm:txEffectClrLst/>
+  </dgm:styleLbl>
+  <dgm:styleLbl name="asst2">
+    <dgm:fillClrLst>
+      <a:schemeClr val="accent3"/>
+    </dgm:fillClrLst>
+    <dgm:linClrLst meth="repeat">
+      <a:schemeClr val="lt1"/>
+    </dgm:linClrLst>
+    <dgm:effectClrLst/>
+    <dgm:txLinClrLst/>
+    <dgm:txFillClrLst/>
+    <dgm:txEffectClrLst/>
+  </dgm:styleLbl>
+  <dgm:styleLbl name="asst3">
+    <dgm:fillClrLst>
+      <a:schemeClr val="accent4"/>
+    </dgm:fillClrLst>
+    <dgm:linClrLst meth="repeat">
+      <a:schemeClr val="lt1"/>
+    </dgm:linClrLst>
+    <dgm:effectClrLst/>
+    <dgm:txLinClrLst/>
+    <dgm:txFillClrLst/>
+    <dgm:txEffectClrLst/>
+  </dgm:styleLbl>
+  <dgm:styleLbl name="asst4">
+    <dgm:fillClrLst>
+      <a:schemeClr val="accent5"/>
+    </dgm:fillClrLst>
+    <dgm:linClrLst meth="repeat">
+      <a:schemeClr val="lt1"/>
+    </dgm:linClrLst>
+    <dgm:effectClrLst/>
+    <dgm:txLinClrLst/>
+    <dgm:txFillClrLst/>
+    <dgm:txEffectClrLst/>
+  </dgm:styleLbl>
+  <dgm:styleLbl name="parChTrans2D1">
+    <dgm:fillClrLst meth="repeat">
+      <a:schemeClr val="accent2"/>
+    </dgm:fillClrLst>
+    <dgm:linClrLst meth="repeat">
+      <a:schemeClr val="lt1"/>
+    </dgm:linClrLst>
+    <dgm:effectClrLst/>
+    <dgm:txLinClrLst/>
+    <dgm:txFillClrLst meth="repeat">
+      <a:schemeClr val="lt1"/>
+    </dgm:txFillClrLst>
+    <dgm:txEffectClrLst/>
+  </dgm:styleLbl>
+  <dgm:styleLbl name="parChTrans2D2">
+    <dgm:fillClrLst meth="repeat">
+      <a:schemeClr val="accent3"/>
+    </dgm:fillClrLst>
+    <dgm:linClrLst meth="repeat">
+      <a:schemeClr val="lt1"/>
+    </dgm:linClrLst>
+    <dgm:effectClrLst/>
+    <dgm:txLinClrLst/>
+    <dgm:txFillClrLst/>
+    <dgm:txEffectClrLst/>
+  </dgm:styleLbl>
+  <dgm:styleLbl name="parChTrans2D3">
+    <dgm:fillClrLst meth="repeat">
+      <a:schemeClr val="accent4"/>
+    </dgm:fillClrLst>
+    <dgm:linClrLst meth="repeat">
+      <a:schemeClr val="lt1"/>
+    </dgm:linClrLst>
+    <dgm:effectClrLst/>
+    <dgm:txLinClrLst/>
+    <dgm:txFillClrLst/>
+    <dgm:txEffectClrLst/>
+  </dgm:styleLbl>
+  <dgm:styleLbl name="parChTrans2D4">
+    <dgm:fillClrLst meth="repeat">
+      <a:schemeClr val="accent5"/>
+    </dgm:fillClrLst>
+    <dgm:linClrLst meth="repeat">
+      <a:schemeClr val="lt1"/>
+    </dgm:linClrLst>
+    <dgm:effectClrLst/>
+    <dgm:txLinClrLst/>
+    <dgm:txFillClrLst meth="repeat">
+      <a:schemeClr val="lt1"/>
+    </dgm:txFillClrLst>
+    <dgm:txEffectClrLst/>
+  </dgm:styleLbl>
+  <dgm:styleLbl name="parChTrans1D1">
+    <dgm:fillClrLst meth="repeat">
+      <a:schemeClr val="accent2"/>
+    </dgm:fillClrLst>
+    <dgm:linClrLst meth="repeat">
+      <a:schemeClr val="accent1"/>
+    </dgm:linClrLst>
+    <dgm:effectClrLst/>
+    <dgm:txLinClrLst/>
+    <dgm:txFillClrLst meth="repeat">
+      <a:schemeClr val="tx1"/>
+    </dgm:txFillClrLst>
+    <dgm:txEffectClrLst/>
+  </dgm:styleLbl>
+  <dgm:styleLbl name="parChTrans1D2">
+    <dgm:fillClrLst meth="repeat">
+      <a:schemeClr val="accent3">
+        <a:tint val="90000"/>
+      </a:schemeClr>
+    </dgm:fillClrLst>
+    <dgm:linClrLst meth="repeat">
+      <a:schemeClr val="accent2"/>
+    </dgm:linClrLst>
+    <dgm:effectClrLst/>
+    <dgm:txLinClrLst/>
+    <dgm:txFillClrLst meth="repeat">
+      <a:schemeClr val="tx1"/>
+    </dgm:txFillClrLst>
+    <dgm:txEffectClrLst/>
+  </dgm:styleLbl>
+  <dgm:styleLbl name="parChTrans1D3">
+    <dgm:fillClrLst meth="repeat">
+      <a:schemeClr val="accent4">
+        <a:tint val="70000"/>
+      </a:schemeClr>
+    </dgm:fillClrLst>
+    <dgm:linClrLst meth="repeat">
+      <a:schemeClr val="accent3"/>
+    </dgm:linClrLst>
+    <dgm:effectClrLst/>
+    <dgm:txLinClrLst/>
+    <dgm:txFillClrLst meth="repeat">
+      <a:schemeClr val="tx1"/>
+    </dgm:txFillClrLst>
+    <dgm:txEffectClrLst/>
+  </dgm:styleLbl>
+  <dgm:styleLbl name="parChTrans1D4">
+    <dgm:fillClrLst meth="repeat">
+      <a:schemeClr val="accent5">
+        <a:tint val="50000"/>
+      </a:schemeClr>
+    </dgm:fillClrLst>
+    <dgm:linClrLst meth="repeat">
+      <a:schemeClr val="accent4"/>
+    </dgm:linClrLst>
+    <dgm:effectClrLst/>
+    <dgm:txLinClrLst/>
+    <dgm:txFillClrLst meth="repeat">
+      <a:schemeClr val="tx1"/>
+    </dgm:txFillClrLst>
+    <dgm:txEffectClrLst/>
+  </dgm:styleLbl>
+  <dgm:styleLbl name="fgAcc1">
+    <dgm:fillClrLst meth="repeat">
+      <a:schemeClr val="lt1">
+        <a:alpha val="90000"/>
+      </a:schemeClr>
+    </dgm:fillClrLst>
+    <dgm:linClrLst meth="repeat">
+      <a:schemeClr val="accent2"/>
+      <a:schemeClr val="accent3"/>
+      <a:schemeClr val="accent4"/>
+      <a:schemeClr val="accent5"/>
+      <a:schemeClr val="accent6"/>
+    </dgm:linClrLst>
+    <dgm:effectClrLst/>
+    <dgm:txLinClrLst/>
+    <dgm:txFillClrLst meth="repeat">
+      <a:schemeClr val="dk1"/>
+    </dgm:txFillClrLst>
+    <dgm:txEffectClrLst/>
+  </dgm:styleLbl>
+  <dgm:styleLbl name="conFgAcc1">
+    <dgm:fillClrLst meth="repeat">
+      <a:schemeClr val="lt1">
+        <a:alpha val="90000"/>
+      </a:schemeClr>
+    </dgm:fillClrLst>
+    <dgm:linClrLst meth="repeat">
+      <a:schemeClr val="accent2"/>
+      <a:schemeClr val="accent3"/>
+      <a:schemeClr val="accent4"/>
+      <a:schemeClr val="accent5"/>
+      <a:schemeClr val="accent6"/>
+    </dgm:linClrLst>
+    <dgm:effectClrLst/>
+    <dgm:txLinClrLst/>
+    <dgm:txFillClrLst meth="repeat">
+      <a:schemeClr val="dk1"/>
+    </dgm:txFillClrLst>
+    <dgm:txEffectClrLst/>
+  </dgm:styleLbl>
+  <dgm:styleLbl name="alignAcc1">
+    <dgm:fillClrLst meth="repeat">
+      <a:schemeClr val="lt1">
+        <a:alpha val="90000"/>
+      </a:schemeClr>
+    </dgm:fillClrLst>
+    <dgm:linClrLst meth="repeat">
+      <a:schemeClr val="accent2"/>
+      <a:schemeClr val="accent3"/>
+      <a:schemeClr val="accent4"/>
+      <a:schemeClr val="accent5"/>
+      <a:schemeClr val="accent6"/>
+    </dgm:linClrLst>
+    <dgm:effectClrLst/>
+    <dgm:txLinClrLst/>
+    <dgm:txFillClrLst meth="repeat">
+      <a:schemeClr val="dk1"/>
+    </dgm:txFillClrLst>
+    <dgm:txEffectClrLst/>
+  </dgm:styleLbl>
+  <dgm:styleLbl name="trAlignAcc1">
+    <dgm:fillClrLst meth="repeat">
+      <a:schemeClr val="lt1">
+        <a:alpha val="40000"/>
+      </a:schemeClr>
+    </dgm:fillClrLst>
+    <dgm:linClrLst meth="repeat">
+      <a:schemeClr val="accent1"/>
+    </dgm:linClrLst>
+    <dgm:effectClrLst/>
+    <dgm:txLinClrLst/>
+    <dgm:txFillClrLst meth="repeat">
+      <a:schemeClr val="dk1"/>
+    </dgm:txFillClrLst>
+    <dgm:txEffectClrLst/>
+  </dgm:styleLbl>
+  <dgm:styleLbl name="bgAcc1">
+    <dgm:fillClrLst meth="repeat">
+      <a:schemeClr val="lt1">
+        <a:alpha val="90000"/>
+      </a:schemeClr>
+    </dgm:fillClrLst>
+    <dgm:linClrLst meth="repeat">
+      <a:schemeClr val="accent2"/>
+      <a:schemeClr val="accent3"/>
+      <a:schemeClr val="accent4"/>
+      <a:schemeClr val="accent5"/>
+      <a:schemeClr val="accent6"/>
+    </dgm:linClrLst>
+    <dgm:effectClrLst/>
+    <dgm:txLinClrLst/>
+    <dgm:txFillClrLst meth="repeat">
+      <a:schemeClr val="dk1"/>
+    </dgm:txFillClrLst>
+    <dgm:txEffectClrLst/>
+  </dgm:styleLbl>
+  <dgm:styleLbl name="solidFgAcc1">
+    <dgm:fillClrLst meth="repeat">
+      <a:schemeClr val="lt1"/>
+    </dgm:fillClrLst>
+    <dgm:linClrLst meth="repeat">
+      <a:schemeClr val="accent2"/>
+      <a:schemeClr val="accent3"/>
+      <a:schemeClr val="accent4"/>
+      <a:schemeClr val="accent5"/>
+      <a:schemeClr val="accent6"/>
+    </dgm:linClrLst>
+    <dgm:effectClrLst/>
+    <dgm:txLinClrLst/>
+    <dgm:txFillClrLst meth="repeat">
+      <a:schemeClr val="dk1"/>
+    </dgm:txFillClrLst>
+    <dgm:txEffectClrLst/>
+  </dgm:styleLbl>
+  <dgm:styleLbl name="solidAlignAcc1">
+    <dgm:fillClrLst meth="repeat">
+      <a:schemeClr val="lt1"/>
+    </dgm:fillClrLst>
+    <dgm:linClrLst meth="repeat">
+      <a:schemeClr val="accent2"/>
+      <a:schemeClr val="accent3"/>
+      <a:schemeClr val="accent4"/>
+      <a:schemeClr val="accent5"/>
+      <a:schemeClr val="accent6"/>
+    </dgm:linClrLst>
+    <dgm:effectClrLst/>
+    <dgm:txLinClrLst/>
+    <dgm:txFillClrLst meth="repeat">
+      <a:schemeClr val="dk1"/>
+    </dgm:txFillClrLst>
+    <dgm:txEffectClrLst/>
+  </dgm:styleLbl>
+  <dgm:styleLbl name="solidBgAcc1">
+    <dgm:fillClrLst meth="repeat">
+      <a:schemeClr val="lt1"/>
+    </dgm:fillClrLst>
+    <dgm:linClrLst meth="repeat">
+      <a:schemeClr val="accent2"/>
+      <a:schemeClr val="accent3"/>
+      <a:schemeClr val="accent4"/>
+      <a:schemeClr val="accent5"/>
+      <a:schemeClr val="accent6"/>
+    </dgm:linClrLst>
+    <dgm:effectClrLst/>
+    <dgm:txLinClrLst/>
+    <dgm:txFillClrLst meth="repeat">
+      <a:schemeClr val="dk1"/>
+    </dgm:txFillClrLst>
+    <dgm:txEffectClrLst/>
+  </dgm:styleLbl>
+  <dgm:styleLbl name="fgAccFollowNode1">
+    <dgm:fillClrLst meth="repeat">
+      <a:schemeClr val="accent2">
+        <a:tint val="40000"/>
+        <a:alpha val="90000"/>
+      </a:schemeClr>
+      <a:schemeClr val="accent3">
+        <a:tint val="40000"/>
+        <a:alpha val="90000"/>
+      </a:schemeClr>
+      <a:schemeClr val="accent4">
+        <a:tint val="40000"/>
+        <a:alpha val="90000"/>
+      </a:schemeClr>
+      <a:schemeClr val="accent5">
+        <a:tint val="40000"/>
+        <a:alpha val="90000"/>
+      </a:schemeClr>
+      <a:schemeClr val="accent6">
+        <a:tint val="40000"/>
+        <a:alpha val="90000"/>
+      </a:schemeClr>
+    </dgm:fillClrLst>
+    <dgm:linClrLst meth="repeat">
+      <a:schemeClr val="accent2">
+        <a:tint val="40000"/>
+        <a:alpha val="90000"/>
+      </a:schemeClr>
+      <a:schemeClr val="accent3">
+        <a:tint val="40000"/>
+        <a:alpha val="90000"/>
+      </a:schemeClr>
+      <a:schemeClr val="accent4">
+        <a:tint val="40000"/>
+        <a:alpha val="90000"/>
+      </a:schemeClr>
+      <a:schemeClr val="accent5">
+        <a:tint val="40000"/>
+        <a:alpha val="90000"/>
+      </a:schemeClr>
+      <a:schemeClr val="accent6">
+        <a:tint val="40000"/>
+        <a:alpha val="90000"/>
+      </a:schemeClr>
+    </dgm:linClrLst>
+    <dgm:effectClrLst/>
+    <dgm:txLinClrLst/>
+    <dgm:txFillClrLst meth="repeat">
+      <a:schemeClr val="dk1"/>
+    </dgm:txFillClrLst>
+    <dgm:txEffectClrLst/>
+  </dgm:styleLbl>
+  <dgm:styleLbl name="alignAccFollowNode1">
+    <dgm:fillClrLst meth="repeat">
+      <a:schemeClr val="accent2">
+        <a:tint val="40000"/>
+        <a:alpha val="90000"/>
+      </a:schemeClr>
+      <a:schemeClr val="accent3">
+        <a:tint val="40000"/>
+        <a:alpha val="90000"/>
+      </a:schemeClr>
+      <a:schemeClr val="accent4">
+        <a:tint val="40000"/>
+        <a:alpha val="90000"/>
+      </a:schemeClr>
+      <a:schemeClr val="accent5">
+        <a:tint val="40000"/>
+        <a:alpha val="90000"/>
+      </a:schemeClr>
+      <a:schemeClr val="accent6">
+        <a:tint val="40000"/>
+        <a:alpha val="90000"/>
+      </a:schemeClr>
+    </dgm:fillClrLst>
+    <dgm:linClrLst meth="repeat">
+      <a:schemeClr val="accent2">
+        <a:tint val="40000"/>
+        <a:alpha val="90000"/>
+      </a:schemeClr>
+      <a:schemeClr val="accent3">
+        <a:tint val="40000"/>
+        <a:alpha val="90000"/>
+      </a:schemeClr>
+      <a:schemeClr val="accent4">
+        <a:tint val="40000"/>
+        <a:alpha val="90000"/>
+      </a:schemeClr>
+      <a:schemeClr val="accent5">
+        <a:tint val="40000"/>
+        <a:alpha val="90000"/>
+      </a:schemeClr>
+      <a:schemeClr val="accent6">
+        <a:tint val="40000"/>
+        <a:alpha val="90000"/>
+      </a:schemeClr>
+    </dgm:linClrLst>
+    <dgm:effectClrLst/>
+    <dgm:txLinClrLst/>
+    <dgm:txFillClrLst meth="repeat">
+      <a:schemeClr val="dk1"/>
+    </dgm:txFillClrLst>
+    <dgm:txEffectClrLst/>
+  </dgm:styleLbl>
+  <dgm:styleLbl name="bgAccFollowNode1">
+    <dgm:fillClrLst meth="repeat">
+      <a:schemeClr val="accent2">
+        <a:tint val="40000"/>
+        <a:alpha val="90000"/>
+      </a:schemeClr>
+      <a:schemeClr val="accent3">
+        <a:tint val="40000"/>
+        <a:alpha val="90000"/>
+      </a:schemeClr>
+      <a:schemeClr val="accent4">
+        <a:tint val="40000"/>
+        <a:alpha val="90000"/>
+      </a:schemeClr>
+      <a:schemeClr val="accent5">
+        <a:tint val="40000"/>
+        <a:alpha val="90000"/>
+      </a:schemeClr>
+      <a:schemeClr val="accent6">
+        <a:tint val="40000"/>
+        <a:alpha val="90000"/>
+      </a:schemeClr>
+    </dgm:fillClrLst>
+    <dgm:linClrLst meth="repeat">
+      <a:schemeClr val="accent2">
+        <a:tint val="40000"/>
+        <a:alpha val="90000"/>
+      </a:schemeClr>
+      <a:schemeClr val="accent3">
+        <a:tint val="40000"/>
+        <a:alpha val="90000"/>
+      </a:schemeClr>
+      <a:schemeClr val="accent4">
+        <a:tint val="40000"/>
+        <a:alpha val="90000"/>
+      </a:schemeClr>
+      <a:schemeClr val="accent5">
+        <a:tint val="40000"/>
+        <a:alpha val="90000"/>
+      </a:schemeClr>
+      <a:schemeClr val="accent6">
+        <a:tint val="40000"/>
+        <a:alpha val="90000"/>
+      </a:schemeClr>
+    </dgm:linClrLst>
+    <dgm:effectClrLst/>
+    <dgm:txLinClrLst/>
+    <dgm:txFillClrLst meth="repeat">
+      <a:schemeClr val="dk1"/>
+    </dgm:txFillClrLst>
+    <dgm:txEffectClrLst/>
+  </dgm:styleLbl>
+  <dgm:styleLbl name="fgAcc0">
+    <dgm:fillClrLst meth="repeat">
+      <a:schemeClr val="lt1">
+        <a:alpha val="90000"/>
+      </a:schemeClr>
+    </dgm:fillClrLst>
+    <dgm:linClrLst>
+      <a:schemeClr val="accent1"/>
+    </dgm:linClrLst>
+    <dgm:effectClrLst/>
+    <dgm:txLinClrLst/>
+    <dgm:txFillClrLst meth="repeat">
+      <a:schemeClr val="dk1"/>
+    </dgm:txFillClrLst>
+    <dgm:txEffectClrLst/>
+  </dgm:styleLbl>
+  <dgm:styleLbl name="fgAcc2">
+    <dgm:fillClrLst meth="repeat">
+      <a:schemeClr val="lt1">
+        <a:alpha val="90000"/>
+      </a:schemeClr>
+    </dgm:fillClrLst>
+    <dgm:linClrLst>
+      <a:schemeClr val="accent2"/>
+    </dgm:linClrLst>
+    <dgm:effectClrLst/>
+    <dgm:txLinClrLst/>
+    <dgm:txFillClrLst meth="repeat">
+      <a:schemeClr val="dk1"/>
+    </dgm:txFillClrLst>
+    <dgm:txEffectClrLst/>
+  </dgm:styleLbl>
+  <dgm:styleLbl name="fgAcc3">
+    <dgm:fillClrLst meth="repeat">
+      <a:schemeClr val="lt1">
+        <a:alpha val="90000"/>
+      </a:schemeClr>
+    </dgm:fillClrLst>
+    <dgm:linClrLst>
+      <a:schemeClr val="accent3"/>
+    </dgm:linClrLst>
+    <dgm:effectClrLst/>
+    <dgm:txLinClrLst/>
+    <dgm:txFillClrLst meth="repeat">
+      <a:schemeClr val="dk1"/>
+    </dgm:txFillClrLst>
+    <dgm:txEffectClrLst/>
+  </dgm:styleLbl>
+  <dgm:styleLbl name="fgAcc4">
+    <dgm:fillClrLst meth="repeat">
+      <a:schemeClr val="lt1">
+        <a:alpha val="90000"/>
+      </a:schemeClr>
+    </dgm:fillClrLst>
+    <dgm:linClrLst>
+      <a:schemeClr val="accent4"/>
+    </dgm:linClrLst>
+    <dgm:effectClrLst/>
+    <dgm:txLinClrLst/>
+    <dgm:txFillClrLst meth="repeat">
+      <a:schemeClr val="dk1"/>
+    </dgm:txFillClrLst>
+    <dgm:txEffectClrLst/>
+  </dgm:styleLbl>
+  <dgm:styleLbl name="bgShp">
+    <dgm:fillClrLst meth="repeat">
+      <a:schemeClr val="bg1">
+        <a:lumMod val="95000"/>
+      </a:schemeClr>
+    </dgm:fillClrLst>
+    <dgm:linClrLst meth="repeat">
+      <a:schemeClr val="dk1"/>
+    </dgm:linClrLst>
+    <dgm:effectClrLst/>
+    <dgm:txLinClrLst/>
+    <dgm:txFillClrLst meth="repeat">
+      <a:schemeClr val="dk1"/>
+    </dgm:txFillClrLst>
+    <dgm:txEffectClrLst/>
+  </dgm:styleLbl>
+  <dgm:styleLbl name="dkBgShp">
+    <dgm:fillClrLst meth="repeat">
+      <a:schemeClr val="accent2">
+        <a:shade val="90000"/>
+      </a:schemeClr>
+    </dgm:fillClrLst>
+    <dgm:linClrLst meth="repeat">
+      <a:schemeClr val="dk1"/>
+    </dgm:linClrLst>
+    <dgm:effectClrLst/>
+    <dgm:txLinClrLst/>
+    <dgm:txFillClrLst meth="repeat">
+      <a:schemeClr val="lt1"/>
+    </dgm:txFillClrLst>
+    <dgm:txEffectClrLst/>
+  </dgm:styleLbl>
+  <dgm:styleLbl name="trBgShp">
+    <dgm:fillClrLst meth="repeat">
+      <a:schemeClr val="accent1">
+        <a:tint val="50000"/>
+        <a:alpha val="40000"/>
+      </a:schemeClr>
+    </dgm:fillClrLst>
+    <dgm:linClrLst meth="repeat">
+      <a:schemeClr val="accent2"/>
+    </dgm:linClrLst>
+    <dgm:effectClrLst/>
+    <dgm:txLinClrLst/>
+    <dgm:txFillClrLst meth="repeat">
+      <a:schemeClr val="lt1"/>
+    </dgm:txFillClrLst>
+    <dgm:txEffectClrLst/>
+  </dgm:styleLbl>
+  <dgm:styleLbl name="fgShp">
+    <dgm:fillClrLst meth="repeat">
+      <a:schemeClr val="accent2">
+        <a:tint val="40000"/>
+      </a:schemeClr>
+    </dgm:fillClrLst>
+    <dgm:linClrLst meth="repeat">
+      <a:schemeClr val="lt1"/>
+    </dgm:linClrLst>
+    <dgm:effectClrLst/>
+    <dgm:txLinClrLst/>
+    <dgm:txFillClrLst meth="repeat">
+      <a:schemeClr val="dk1"/>
+    </dgm:txFillClrLst>
+    <dgm:txEffectClrLst/>
+  </dgm:styleLbl>
+  <dgm:styleLbl name="revTx">
+    <dgm:fillClrLst meth="repeat">
+      <a:schemeClr val="lt1">
+        <a:alpha val="0"/>
+      </a:schemeClr>
+    </dgm:fillClrLst>
+    <dgm:linClrLst meth="repeat">
+      <a:schemeClr val="dk1">
+        <a:alpha val="0"/>
+      </a:schemeClr>
+    </dgm:linClrLst>
+    <dgm:effectClrLst/>
+    <dgm:txLinClrLst/>
+    <dgm:txFillClrLst meth="repeat">
+      <a:schemeClr val="tx1"/>
+    </dgm:txFillClrLst>
+    <dgm:txEffectClrLst/>
+  </dgm:styleLbl>
+</dgm:colorsDef>
+</file>
+
+<file path=ppt/diagrams/colors4.xml><?xml version="1.0" encoding="utf-8"?>
 <dgm:colorsDef xmlns:dgm="http://schemas.openxmlformats.org/drawingml/2006/diagram" xmlns:a="http://schemas.openxmlformats.org/drawingml/2006/main" uniqueId="urn:microsoft.com/office/officeart/2018/5/colors/Iconchunking_neutralbg_accent1_2">
   <dgm:title val=""/>
   <dgm:desc val=""/>
@@ -3513,6 +4435,528 @@
 <file path=ppt/diagrams/data3.xml><?xml version="1.0" encoding="utf-8"?>
 <dgm:dataModel xmlns:dgm="http://schemas.openxmlformats.org/drawingml/2006/diagram" xmlns:a="http://schemas.openxmlformats.org/drawingml/2006/main">
   <dgm:ptLst>
+    <dgm:pt modelId="{252F850C-3764-46AE-9628-D02A47599FEC}" type="doc">
+      <dgm:prSet loTypeId="urn:microsoft.com/office/officeart/2018/2/layout/IconVerticalSolidList" loCatId="icon" qsTypeId="urn:microsoft.com/office/officeart/2005/8/quickstyle/simple1" qsCatId="simple" csTypeId="urn:microsoft.com/office/officeart/2018/5/colors/Iconchunking_neutralbg_colorful1" csCatId="colorful" phldr="1"/>
+      <dgm:spPr/>
+      <dgm:t>
+        <a:bodyPr/>
+        <a:lstStyle/>
+        <a:p>
+          <a:endParaRPr lang="en-US"/>
+        </a:p>
+      </dgm:t>
+    </dgm:pt>
+    <dgm:pt modelId="{6989B72D-1138-4CEC-A0AE-732A7BF63FEC}">
+      <dgm:prSet/>
+      <dgm:spPr/>
+      <dgm:t>
+        <a:bodyPr/>
+        <a:lstStyle/>
+        <a:p>
+          <a:r>
+            <a:rPr lang="en-GB"/>
+            <a:t>MS-GF+ engine</a:t>
+          </a:r>
+          <a:endParaRPr lang="en-US"/>
+        </a:p>
+      </dgm:t>
+    </dgm:pt>
+    <dgm:pt modelId="{F47917C1-0F9B-4836-B997-CF3F7812D730}" type="parTrans" cxnId="{5412B76C-3DA2-48FB-9325-69713E724E08}">
+      <dgm:prSet/>
+      <dgm:spPr/>
+      <dgm:t>
+        <a:bodyPr/>
+        <a:lstStyle/>
+        <a:p>
+          <a:endParaRPr lang="en-US"/>
+        </a:p>
+      </dgm:t>
+    </dgm:pt>
+    <dgm:pt modelId="{2182E4EF-31EE-4CC6-B77B-D2456611BA0F}" type="sibTrans" cxnId="{5412B76C-3DA2-48FB-9325-69713E724E08}">
+      <dgm:prSet/>
+      <dgm:spPr/>
+      <dgm:t>
+        <a:bodyPr/>
+        <a:lstStyle/>
+        <a:p>
+          <a:endParaRPr lang="en-US"/>
+        </a:p>
+      </dgm:t>
+    </dgm:pt>
+    <dgm:pt modelId="{84099EE0-A334-4C4A-9043-632A969895DB}">
+      <dgm:prSet/>
+      <dgm:spPr/>
+      <dgm:t>
+        <a:bodyPr/>
+        <a:lstStyle/>
+        <a:p>
+          <a:r>
+            <a:rPr lang="en-GB"/>
+            <a:t>Swiss Prot database</a:t>
+          </a:r>
+          <a:endParaRPr lang="en-US"/>
+        </a:p>
+      </dgm:t>
+    </dgm:pt>
+    <dgm:pt modelId="{763944B4-685E-40B0-BA4F-E16051797991}" type="parTrans" cxnId="{0C84601C-37A5-42E5-8CDA-CDEDDAFCC1F7}">
+      <dgm:prSet/>
+      <dgm:spPr/>
+      <dgm:t>
+        <a:bodyPr/>
+        <a:lstStyle/>
+        <a:p>
+          <a:endParaRPr lang="en-US"/>
+        </a:p>
+      </dgm:t>
+    </dgm:pt>
+    <dgm:pt modelId="{C18C7693-BAE9-4F4B-97CB-B9177427376E}" type="sibTrans" cxnId="{0C84601C-37A5-42E5-8CDA-CDEDDAFCC1F7}">
+      <dgm:prSet/>
+      <dgm:spPr/>
+      <dgm:t>
+        <a:bodyPr/>
+        <a:lstStyle/>
+        <a:p>
+          <a:endParaRPr lang="en-US"/>
+        </a:p>
+      </dgm:t>
+    </dgm:pt>
+    <dgm:pt modelId="{7ECF627F-6459-432C-9685-738AA2244430}">
+      <dgm:prSet/>
+      <dgm:spPr/>
+      <dgm:t>
+        <a:bodyPr/>
+        <a:lstStyle/>
+        <a:p>
+          <a:r>
+            <a:rPr lang="en-GB"/>
+            <a:t>Human Genome FASTA with decoys</a:t>
+          </a:r>
+          <a:endParaRPr lang="en-US"/>
+        </a:p>
+      </dgm:t>
+    </dgm:pt>
+    <dgm:pt modelId="{B52BB595-DB61-42A4-BB3A-DDCA49B3AF7D}" type="parTrans" cxnId="{76BFC21D-DFD6-46BF-8F8F-92239A3F7475}">
+      <dgm:prSet/>
+      <dgm:spPr/>
+      <dgm:t>
+        <a:bodyPr/>
+        <a:lstStyle/>
+        <a:p>
+          <a:endParaRPr lang="en-US"/>
+        </a:p>
+      </dgm:t>
+    </dgm:pt>
+    <dgm:pt modelId="{3F96E1C4-E9E1-4F3F-814A-3FFE4E879CA3}" type="sibTrans" cxnId="{76BFC21D-DFD6-46BF-8F8F-92239A3F7475}">
+      <dgm:prSet/>
+      <dgm:spPr/>
+      <dgm:t>
+        <a:bodyPr/>
+        <a:lstStyle/>
+        <a:p>
+          <a:endParaRPr lang="en-US"/>
+        </a:p>
+      </dgm:t>
+    </dgm:pt>
+    <dgm:pt modelId="{3ED675C2-C793-4011-8449-D1554BE8E03C}">
+      <dgm:prSet/>
+      <dgm:spPr/>
+      <dgm:t>
+        <a:bodyPr/>
+        <a:lstStyle/>
+        <a:p>
+          <a:r>
+            <a:rPr lang="en-GB"/>
+            <a:t>Number of peptide matches: 10</a:t>
+          </a:r>
+          <a:endParaRPr lang="en-US"/>
+        </a:p>
+      </dgm:t>
+    </dgm:pt>
+    <dgm:pt modelId="{4189F7AE-2F23-4D4E-BBF0-4ECA8FC0E334}" type="parTrans" cxnId="{98BB264F-A9BA-4939-B8A0-52095312C61C}">
+      <dgm:prSet/>
+      <dgm:spPr/>
+      <dgm:t>
+        <a:bodyPr/>
+        <a:lstStyle/>
+        <a:p>
+          <a:endParaRPr lang="en-US"/>
+        </a:p>
+      </dgm:t>
+    </dgm:pt>
+    <dgm:pt modelId="{F18925C6-9D59-4E1B-ACC7-BA6F03C6C96E}" type="sibTrans" cxnId="{98BB264F-A9BA-4939-B8A0-52095312C61C}">
+      <dgm:prSet/>
+      <dgm:spPr/>
+      <dgm:t>
+        <a:bodyPr/>
+        <a:lstStyle/>
+        <a:p>
+          <a:endParaRPr lang="en-US"/>
+        </a:p>
+      </dgm:t>
+    </dgm:pt>
+    <dgm:pt modelId="{054C2B68-2C0C-48DF-80BE-08DC3439C9D2}">
+      <dgm:prSet/>
+      <dgm:spPr/>
+      <dgm:t>
+        <a:bodyPr/>
+        <a:lstStyle/>
+        <a:p>
+          <a:r>
+            <a:rPr lang="en-GB"/>
+            <a:t>Max variable PTMs per peptide: 2</a:t>
+          </a:r>
+          <a:endParaRPr lang="en-US"/>
+        </a:p>
+      </dgm:t>
+    </dgm:pt>
+    <dgm:pt modelId="{1361EAAC-1F4C-402C-9800-62B6B6710809}" type="parTrans" cxnId="{21861D30-5FAA-4DA9-A10D-0D43BAE99938}">
+      <dgm:prSet/>
+      <dgm:spPr/>
+      <dgm:t>
+        <a:bodyPr/>
+        <a:lstStyle/>
+        <a:p>
+          <a:endParaRPr lang="en-US"/>
+        </a:p>
+      </dgm:t>
+    </dgm:pt>
+    <dgm:pt modelId="{CEA0F34F-4FB1-4D2B-9AC6-053D6E30E9F7}" type="sibTrans" cxnId="{21861D30-5FAA-4DA9-A10D-0D43BAE99938}">
+      <dgm:prSet/>
+      <dgm:spPr/>
+      <dgm:t>
+        <a:bodyPr/>
+        <a:lstStyle/>
+        <a:p>
+          <a:endParaRPr lang="en-US"/>
+        </a:p>
+      </dgm:t>
+    </dgm:pt>
+    <dgm:pt modelId="{FC0CF6E1-674B-45B1-B442-9297552D66BC}" type="pres">
+      <dgm:prSet presAssocID="{252F850C-3764-46AE-9628-D02A47599FEC}" presName="root" presStyleCnt="0">
+        <dgm:presLayoutVars>
+          <dgm:dir/>
+          <dgm:resizeHandles val="exact"/>
+        </dgm:presLayoutVars>
+      </dgm:prSet>
+      <dgm:spPr/>
+    </dgm:pt>
+    <dgm:pt modelId="{3B095025-DE3E-4974-ABAF-48BB19E351C5}" type="pres">
+      <dgm:prSet presAssocID="{6989B72D-1138-4CEC-A0AE-732A7BF63FEC}" presName="compNode" presStyleCnt="0"/>
+      <dgm:spPr/>
+    </dgm:pt>
+    <dgm:pt modelId="{0FD9856F-440D-44DA-9142-FD87BF19715B}" type="pres">
+      <dgm:prSet presAssocID="{6989B72D-1138-4CEC-A0AE-732A7BF63FEC}" presName="bgRect" presStyleLbl="bgShp" presStyleIdx="0" presStyleCnt="5"/>
+      <dgm:spPr/>
+    </dgm:pt>
+    <dgm:pt modelId="{7BACB2D7-10A6-4FE6-AD73-6C8A34987DA2}" type="pres">
+      <dgm:prSet presAssocID="{6989B72D-1138-4CEC-A0AE-732A7BF63FEC}" presName="iconRect" presStyleLbl="node1" presStyleIdx="0" presStyleCnt="5"/>
+      <dgm:spPr>
+        <a:blipFill>
+          <a:blip xmlns:r="http://schemas.openxmlformats.org/officeDocument/2006/relationships" r:embed="rId1">
+            <a:extLst>
+              <a:ext uri="{28A0092B-C50C-407E-A947-70E740481C1C}">
+                <a14:useLocalDpi xmlns:a14="http://schemas.microsoft.com/office/drawing/2010/main" val="0"/>
+              </a:ext>
+              <a:ext uri="{96DAC541-7B7A-43D3-8B79-37D633B846F1}">
+                <asvg:svgBlip xmlns:asvg="http://schemas.microsoft.com/office/drawing/2016/SVG/main" r:embed="rId2"/>
+              </a:ext>
+            </a:extLst>
+          </a:blip>
+          <a:stretch>
+            <a:fillRect/>
+          </a:stretch>
+        </a:blipFill>
+        <a:ln>
+          <a:noFill/>
+        </a:ln>
+      </dgm:spPr>
+      <dgm:extLst>
+        <a:ext uri="{E40237B7-FDA0-4F09-8148-C483321AD2D9}">
+          <dgm14:cNvPr xmlns:dgm14="http://schemas.microsoft.com/office/drawing/2010/diagram" id="0" name="" descr="Gears"/>
+        </a:ext>
+      </dgm:extLst>
+    </dgm:pt>
+    <dgm:pt modelId="{A6BCFF88-4477-4EBB-BD78-768353198D1C}" type="pres">
+      <dgm:prSet presAssocID="{6989B72D-1138-4CEC-A0AE-732A7BF63FEC}" presName="spaceRect" presStyleCnt="0"/>
+      <dgm:spPr/>
+    </dgm:pt>
+    <dgm:pt modelId="{72E963CD-2375-4685-85B9-24508107C447}" type="pres">
+      <dgm:prSet presAssocID="{6989B72D-1138-4CEC-A0AE-732A7BF63FEC}" presName="parTx" presStyleLbl="revTx" presStyleIdx="0" presStyleCnt="5">
+        <dgm:presLayoutVars>
+          <dgm:chMax val="0"/>
+          <dgm:chPref val="0"/>
+        </dgm:presLayoutVars>
+      </dgm:prSet>
+      <dgm:spPr/>
+    </dgm:pt>
+    <dgm:pt modelId="{78A44C90-E8A7-45D8-898F-80B9D5889670}" type="pres">
+      <dgm:prSet presAssocID="{2182E4EF-31EE-4CC6-B77B-D2456611BA0F}" presName="sibTrans" presStyleCnt="0"/>
+      <dgm:spPr/>
+    </dgm:pt>
+    <dgm:pt modelId="{7E57B85E-4E68-464B-89A0-C85FFFF1CC88}" type="pres">
+      <dgm:prSet presAssocID="{84099EE0-A334-4C4A-9043-632A969895DB}" presName="compNode" presStyleCnt="0"/>
+      <dgm:spPr/>
+    </dgm:pt>
+    <dgm:pt modelId="{30693BCA-0CC3-47FC-A67D-2BA13FE4FEFA}" type="pres">
+      <dgm:prSet presAssocID="{84099EE0-A334-4C4A-9043-632A969895DB}" presName="bgRect" presStyleLbl="bgShp" presStyleIdx="1" presStyleCnt="5"/>
+      <dgm:spPr/>
+    </dgm:pt>
+    <dgm:pt modelId="{9C7AE600-E434-4249-B599-40489E1971EE}" type="pres">
+      <dgm:prSet presAssocID="{84099EE0-A334-4C4A-9043-632A969895DB}" presName="iconRect" presStyleLbl="node1" presStyleIdx="1" presStyleCnt="5"/>
+      <dgm:spPr>
+        <a:blipFill>
+          <a:blip xmlns:r="http://schemas.openxmlformats.org/officeDocument/2006/relationships" r:embed="rId3">
+            <a:extLst>
+              <a:ext uri="{28A0092B-C50C-407E-A947-70E740481C1C}">
+                <a14:useLocalDpi xmlns:a14="http://schemas.microsoft.com/office/drawing/2010/main" val="0"/>
+              </a:ext>
+              <a:ext uri="{96DAC541-7B7A-43D3-8B79-37D633B846F1}">
+                <asvg:svgBlip xmlns:asvg="http://schemas.microsoft.com/office/drawing/2016/SVG/main" r:embed="rId4"/>
+              </a:ext>
+            </a:extLst>
+          </a:blip>
+          <a:stretch>
+            <a:fillRect/>
+          </a:stretch>
+        </a:blipFill>
+        <a:ln>
+          <a:noFill/>
+        </a:ln>
+      </dgm:spPr>
+      <dgm:extLst>
+        <a:ext uri="{E40237B7-FDA0-4F09-8148-C483321AD2D9}">
+          <dgm14:cNvPr xmlns:dgm14="http://schemas.microsoft.com/office/drawing/2010/diagram" id="0" name="" descr="Database"/>
+        </a:ext>
+      </dgm:extLst>
+    </dgm:pt>
+    <dgm:pt modelId="{51B44A43-FCC8-4677-BDF0-30466711914E}" type="pres">
+      <dgm:prSet presAssocID="{84099EE0-A334-4C4A-9043-632A969895DB}" presName="spaceRect" presStyleCnt="0"/>
+      <dgm:spPr/>
+    </dgm:pt>
+    <dgm:pt modelId="{33369310-C9DC-4C00-AB4D-157D347BAB7D}" type="pres">
+      <dgm:prSet presAssocID="{84099EE0-A334-4C4A-9043-632A969895DB}" presName="parTx" presStyleLbl="revTx" presStyleIdx="1" presStyleCnt="5">
+        <dgm:presLayoutVars>
+          <dgm:chMax val="0"/>
+          <dgm:chPref val="0"/>
+        </dgm:presLayoutVars>
+      </dgm:prSet>
+      <dgm:spPr/>
+    </dgm:pt>
+    <dgm:pt modelId="{4DCA3434-AF13-4E8D-B2C1-B436B2A5D237}" type="pres">
+      <dgm:prSet presAssocID="{C18C7693-BAE9-4F4B-97CB-B9177427376E}" presName="sibTrans" presStyleCnt="0"/>
+      <dgm:spPr/>
+    </dgm:pt>
+    <dgm:pt modelId="{F97A9F2B-6EF0-4E5A-A054-C8EFF7975AAB}" type="pres">
+      <dgm:prSet presAssocID="{7ECF627F-6459-432C-9685-738AA2244430}" presName="compNode" presStyleCnt="0"/>
+      <dgm:spPr/>
+    </dgm:pt>
+    <dgm:pt modelId="{EE6A1A94-7E93-4933-93DA-97261A7D4E10}" type="pres">
+      <dgm:prSet presAssocID="{7ECF627F-6459-432C-9685-738AA2244430}" presName="bgRect" presStyleLbl="bgShp" presStyleIdx="2" presStyleCnt="5"/>
+      <dgm:spPr/>
+    </dgm:pt>
+    <dgm:pt modelId="{248B1ED1-3207-4A21-A2B6-F6106CAC522E}" type="pres">
+      <dgm:prSet presAssocID="{7ECF627F-6459-432C-9685-738AA2244430}" presName="iconRect" presStyleLbl="node1" presStyleIdx="2" presStyleCnt="5"/>
+      <dgm:spPr>
+        <a:blipFill>
+          <a:blip xmlns:r="http://schemas.openxmlformats.org/officeDocument/2006/relationships" r:embed="rId5">
+            <a:extLst>
+              <a:ext uri="{28A0092B-C50C-407E-A947-70E740481C1C}">
+                <a14:useLocalDpi xmlns:a14="http://schemas.microsoft.com/office/drawing/2010/main" val="0"/>
+              </a:ext>
+              <a:ext uri="{96DAC541-7B7A-43D3-8B79-37D633B846F1}">
+                <asvg:svgBlip xmlns:asvg="http://schemas.microsoft.com/office/drawing/2016/SVG/main" r:embed="rId6"/>
+              </a:ext>
+            </a:extLst>
+          </a:blip>
+          <a:stretch>
+            <a:fillRect/>
+          </a:stretch>
+        </a:blipFill>
+        <a:ln>
+          <a:noFill/>
+        </a:ln>
+      </dgm:spPr>
+      <dgm:extLst>
+        <a:ext uri="{E40237B7-FDA0-4F09-8148-C483321AD2D9}">
+          <dgm14:cNvPr xmlns:dgm14="http://schemas.microsoft.com/office/drawing/2010/diagram" id="0" name="" descr="DNA"/>
+        </a:ext>
+      </dgm:extLst>
+    </dgm:pt>
+    <dgm:pt modelId="{924A9EF6-892A-4502-B070-9D5CEE768E08}" type="pres">
+      <dgm:prSet presAssocID="{7ECF627F-6459-432C-9685-738AA2244430}" presName="spaceRect" presStyleCnt="0"/>
+      <dgm:spPr/>
+    </dgm:pt>
+    <dgm:pt modelId="{E6F53818-C1B2-4D49-8808-A37D218C4F71}" type="pres">
+      <dgm:prSet presAssocID="{7ECF627F-6459-432C-9685-738AA2244430}" presName="parTx" presStyleLbl="revTx" presStyleIdx="2" presStyleCnt="5">
+        <dgm:presLayoutVars>
+          <dgm:chMax val="0"/>
+          <dgm:chPref val="0"/>
+        </dgm:presLayoutVars>
+      </dgm:prSet>
+      <dgm:spPr/>
+    </dgm:pt>
+    <dgm:pt modelId="{2A27955E-AB70-4154-8375-F2165A590B64}" type="pres">
+      <dgm:prSet presAssocID="{3F96E1C4-E9E1-4F3F-814A-3FFE4E879CA3}" presName="sibTrans" presStyleCnt="0"/>
+      <dgm:spPr/>
+    </dgm:pt>
+    <dgm:pt modelId="{ECBB0EE3-930B-4C5A-97AB-6BED3DC6A0DC}" type="pres">
+      <dgm:prSet presAssocID="{3ED675C2-C793-4011-8449-D1554BE8E03C}" presName="compNode" presStyleCnt="0"/>
+      <dgm:spPr/>
+    </dgm:pt>
+    <dgm:pt modelId="{C80C5805-7499-4B7B-8BA3-F4C25372680F}" type="pres">
+      <dgm:prSet presAssocID="{3ED675C2-C793-4011-8449-D1554BE8E03C}" presName="bgRect" presStyleLbl="bgShp" presStyleIdx="3" presStyleCnt="5"/>
+      <dgm:spPr/>
+    </dgm:pt>
+    <dgm:pt modelId="{6CB0A676-A23B-4170-B7B6-F48464A9AB24}" type="pres">
+      <dgm:prSet presAssocID="{3ED675C2-C793-4011-8449-D1554BE8E03C}" presName="iconRect" presStyleLbl="node1" presStyleIdx="3" presStyleCnt="5"/>
+      <dgm:spPr>
+        <a:blipFill>
+          <a:blip xmlns:r="http://schemas.openxmlformats.org/officeDocument/2006/relationships" r:embed="rId7">
+            <a:extLst>
+              <a:ext uri="{28A0092B-C50C-407E-A947-70E740481C1C}">
+                <a14:useLocalDpi xmlns:a14="http://schemas.microsoft.com/office/drawing/2010/main" val="0"/>
+              </a:ext>
+              <a:ext uri="{96DAC541-7B7A-43D3-8B79-37D633B846F1}">
+                <asvg:svgBlip xmlns:asvg="http://schemas.microsoft.com/office/drawing/2016/SVG/main" r:embed="rId8"/>
+              </a:ext>
+            </a:extLst>
+          </a:blip>
+          <a:stretch>
+            <a:fillRect/>
+          </a:stretch>
+        </a:blipFill>
+        <a:ln>
+          <a:noFill/>
+        </a:ln>
+      </dgm:spPr>
+      <dgm:extLst>
+        <a:ext uri="{E40237B7-FDA0-4F09-8148-C483321AD2D9}">
+          <dgm14:cNvPr xmlns:dgm14="http://schemas.microsoft.com/office/drawing/2010/diagram" id="0" name="" descr="Scissors"/>
+        </a:ext>
+      </dgm:extLst>
+    </dgm:pt>
+    <dgm:pt modelId="{47E70F1D-26D5-45A8-BD3B-B451EED238C7}" type="pres">
+      <dgm:prSet presAssocID="{3ED675C2-C793-4011-8449-D1554BE8E03C}" presName="spaceRect" presStyleCnt="0"/>
+      <dgm:spPr/>
+    </dgm:pt>
+    <dgm:pt modelId="{12B2112C-8E42-4A6E-A33C-0D262B5EB117}" type="pres">
+      <dgm:prSet presAssocID="{3ED675C2-C793-4011-8449-D1554BE8E03C}" presName="parTx" presStyleLbl="revTx" presStyleIdx="3" presStyleCnt="5">
+        <dgm:presLayoutVars>
+          <dgm:chMax val="0"/>
+          <dgm:chPref val="0"/>
+        </dgm:presLayoutVars>
+      </dgm:prSet>
+      <dgm:spPr/>
+    </dgm:pt>
+    <dgm:pt modelId="{0F43CCBC-DF55-4BE1-9796-B63E11816172}" type="pres">
+      <dgm:prSet presAssocID="{F18925C6-9D59-4E1B-ACC7-BA6F03C6C96E}" presName="sibTrans" presStyleCnt="0"/>
+      <dgm:spPr/>
+    </dgm:pt>
+    <dgm:pt modelId="{16F9DCA3-F046-44BD-B2DB-49598E039AB6}" type="pres">
+      <dgm:prSet presAssocID="{054C2B68-2C0C-48DF-80BE-08DC3439C9D2}" presName="compNode" presStyleCnt="0"/>
+      <dgm:spPr/>
+    </dgm:pt>
+    <dgm:pt modelId="{F40C31EB-BA45-475A-A3FD-12B67218ED9F}" type="pres">
+      <dgm:prSet presAssocID="{054C2B68-2C0C-48DF-80BE-08DC3439C9D2}" presName="bgRect" presStyleLbl="bgShp" presStyleIdx="4" presStyleCnt="5"/>
+      <dgm:spPr/>
+    </dgm:pt>
+    <dgm:pt modelId="{58B74A9F-A7C8-441E-B160-ABF1AD5A2AF7}" type="pres">
+      <dgm:prSet presAssocID="{054C2B68-2C0C-48DF-80BE-08DC3439C9D2}" presName="iconRect" presStyleLbl="node1" presStyleIdx="4" presStyleCnt="5"/>
+      <dgm:spPr>
+        <a:blipFill>
+          <a:blip xmlns:r="http://schemas.openxmlformats.org/officeDocument/2006/relationships" r:embed="rId9">
+            <a:extLst>
+              <a:ext uri="{28A0092B-C50C-407E-A947-70E740481C1C}">
+                <a14:useLocalDpi xmlns:a14="http://schemas.microsoft.com/office/drawing/2010/main" val="0"/>
+              </a:ext>
+              <a:ext uri="{96DAC541-7B7A-43D3-8B79-37D633B846F1}">
+                <asvg:svgBlip xmlns:asvg="http://schemas.microsoft.com/office/drawing/2016/SVG/main" r:embed="rId10"/>
+              </a:ext>
+            </a:extLst>
+          </a:blip>
+          <a:stretch>
+            <a:fillRect/>
+          </a:stretch>
+        </a:blipFill>
+        <a:ln>
+          <a:noFill/>
+        </a:ln>
+      </dgm:spPr>
+      <dgm:extLst>
+        <a:ext uri="{E40237B7-FDA0-4F09-8148-C483321AD2D9}">
+          <dgm14:cNvPr xmlns:dgm14="http://schemas.microsoft.com/office/drawing/2010/diagram" id="0" name="" descr="Rat"/>
+        </a:ext>
+      </dgm:extLst>
+    </dgm:pt>
+    <dgm:pt modelId="{090B36E1-2283-44CC-A813-1FCC2813D405}" type="pres">
+      <dgm:prSet presAssocID="{054C2B68-2C0C-48DF-80BE-08DC3439C9D2}" presName="spaceRect" presStyleCnt="0"/>
+      <dgm:spPr/>
+    </dgm:pt>
+    <dgm:pt modelId="{459538E4-6C68-486F-8198-F6571C4888B0}" type="pres">
+      <dgm:prSet presAssocID="{054C2B68-2C0C-48DF-80BE-08DC3439C9D2}" presName="parTx" presStyleLbl="revTx" presStyleIdx="4" presStyleCnt="5">
+        <dgm:presLayoutVars>
+          <dgm:chMax val="0"/>
+          <dgm:chPref val="0"/>
+        </dgm:presLayoutVars>
+      </dgm:prSet>
+      <dgm:spPr/>
+    </dgm:pt>
+  </dgm:ptLst>
+  <dgm:cxnLst>
+    <dgm:cxn modelId="{0C84601C-37A5-42E5-8CDA-CDEDDAFCC1F7}" srcId="{252F850C-3764-46AE-9628-D02A47599FEC}" destId="{84099EE0-A334-4C4A-9043-632A969895DB}" srcOrd="1" destOrd="0" parTransId="{763944B4-685E-40B0-BA4F-E16051797991}" sibTransId="{C18C7693-BAE9-4F4B-97CB-B9177427376E}"/>
+    <dgm:cxn modelId="{76BFC21D-DFD6-46BF-8F8F-92239A3F7475}" srcId="{252F850C-3764-46AE-9628-D02A47599FEC}" destId="{7ECF627F-6459-432C-9685-738AA2244430}" srcOrd="2" destOrd="0" parTransId="{B52BB595-DB61-42A4-BB3A-DDCA49B3AF7D}" sibTransId="{3F96E1C4-E9E1-4F3F-814A-3FFE4E879CA3}"/>
+    <dgm:cxn modelId="{21861D30-5FAA-4DA9-A10D-0D43BAE99938}" srcId="{252F850C-3764-46AE-9628-D02A47599FEC}" destId="{054C2B68-2C0C-48DF-80BE-08DC3439C9D2}" srcOrd="4" destOrd="0" parTransId="{1361EAAC-1F4C-402C-9800-62B6B6710809}" sibTransId="{CEA0F34F-4FB1-4D2B-9AC6-053D6E30E9F7}"/>
+    <dgm:cxn modelId="{FB7B1931-B576-4159-B3E1-DCD7EE9466F0}" type="presOf" srcId="{3ED675C2-C793-4011-8449-D1554BE8E03C}" destId="{12B2112C-8E42-4A6E-A33C-0D262B5EB117}" srcOrd="0" destOrd="0" presId="urn:microsoft.com/office/officeart/2018/2/layout/IconVerticalSolidList"/>
+    <dgm:cxn modelId="{77DF2537-9E08-4BC3-AD36-7243EF6BF8EB}" type="presOf" srcId="{7ECF627F-6459-432C-9685-738AA2244430}" destId="{E6F53818-C1B2-4D49-8808-A37D218C4F71}" srcOrd="0" destOrd="0" presId="urn:microsoft.com/office/officeart/2018/2/layout/IconVerticalSolidList"/>
+    <dgm:cxn modelId="{37E50260-A1F5-4B7E-BA54-F47DC511C89F}" type="presOf" srcId="{84099EE0-A334-4C4A-9043-632A969895DB}" destId="{33369310-C9DC-4C00-AB4D-157D347BAB7D}" srcOrd="0" destOrd="0" presId="urn:microsoft.com/office/officeart/2018/2/layout/IconVerticalSolidList"/>
+    <dgm:cxn modelId="{74974542-0954-434B-BFCC-15AC289DD804}" type="presOf" srcId="{6989B72D-1138-4CEC-A0AE-732A7BF63FEC}" destId="{72E963CD-2375-4685-85B9-24508107C447}" srcOrd="0" destOrd="0" presId="urn:microsoft.com/office/officeart/2018/2/layout/IconVerticalSolidList"/>
+    <dgm:cxn modelId="{E35CDC4B-39DC-46D8-9AFD-E0E422179AAA}" type="presOf" srcId="{054C2B68-2C0C-48DF-80BE-08DC3439C9D2}" destId="{459538E4-6C68-486F-8198-F6571C4888B0}" srcOrd="0" destOrd="0" presId="urn:microsoft.com/office/officeart/2018/2/layout/IconVerticalSolidList"/>
+    <dgm:cxn modelId="{5412B76C-3DA2-48FB-9325-69713E724E08}" srcId="{252F850C-3764-46AE-9628-D02A47599FEC}" destId="{6989B72D-1138-4CEC-A0AE-732A7BF63FEC}" srcOrd="0" destOrd="0" parTransId="{F47917C1-0F9B-4836-B997-CF3F7812D730}" sibTransId="{2182E4EF-31EE-4CC6-B77B-D2456611BA0F}"/>
+    <dgm:cxn modelId="{98BB264F-A9BA-4939-B8A0-52095312C61C}" srcId="{252F850C-3764-46AE-9628-D02A47599FEC}" destId="{3ED675C2-C793-4011-8449-D1554BE8E03C}" srcOrd="3" destOrd="0" parTransId="{4189F7AE-2F23-4D4E-BBF0-4ECA8FC0E334}" sibTransId="{F18925C6-9D59-4E1B-ACC7-BA6F03C6C96E}"/>
+    <dgm:cxn modelId="{F445269B-3D48-4EA9-9385-23E9A1B32A35}" type="presOf" srcId="{252F850C-3764-46AE-9628-D02A47599FEC}" destId="{FC0CF6E1-674B-45B1-B442-9297552D66BC}" srcOrd="0" destOrd="0" presId="urn:microsoft.com/office/officeart/2018/2/layout/IconVerticalSolidList"/>
+    <dgm:cxn modelId="{D8045EA9-FFC6-4BA6-B383-7783A9139F03}" type="presParOf" srcId="{FC0CF6E1-674B-45B1-B442-9297552D66BC}" destId="{3B095025-DE3E-4974-ABAF-48BB19E351C5}" srcOrd="0" destOrd="0" presId="urn:microsoft.com/office/officeart/2018/2/layout/IconVerticalSolidList"/>
+    <dgm:cxn modelId="{742ECB82-F543-483B-9BF3-DD0AB6BCFCCF}" type="presParOf" srcId="{3B095025-DE3E-4974-ABAF-48BB19E351C5}" destId="{0FD9856F-440D-44DA-9142-FD87BF19715B}" srcOrd="0" destOrd="0" presId="urn:microsoft.com/office/officeart/2018/2/layout/IconVerticalSolidList"/>
+    <dgm:cxn modelId="{782DD385-F962-4446-B43F-F5D7D53D2A47}" type="presParOf" srcId="{3B095025-DE3E-4974-ABAF-48BB19E351C5}" destId="{7BACB2D7-10A6-4FE6-AD73-6C8A34987DA2}" srcOrd="1" destOrd="0" presId="urn:microsoft.com/office/officeart/2018/2/layout/IconVerticalSolidList"/>
+    <dgm:cxn modelId="{E6328604-5A53-456D-9B92-080782B2830A}" type="presParOf" srcId="{3B095025-DE3E-4974-ABAF-48BB19E351C5}" destId="{A6BCFF88-4477-4EBB-BD78-768353198D1C}" srcOrd="2" destOrd="0" presId="urn:microsoft.com/office/officeart/2018/2/layout/IconVerticalSolidList"/>
+    <dgm:cxn modelId="{9F61ECEC-1C66-40A6-9B25-60EA5CD0AC4D}" type="presParOf" srcId="{3B095025-DE3E-4974-ABAF-48BB19E351C5}" destId="{72E963CD-2375-4685-85B9-24508107C447}" srcOrd="3" destOrd="0" presId="urn:microsoft.com/office/officeart/2018/2/layout/IconVerticalSolidList"/>
+    <dgm:cxn modelId="{00446614-B858-4F77-951F-262AF117BFD8}" type="presParOf" srcId="{FC0CF6E1-674B-45B1-B442-9297552D66BC}" destId="{78A44C90-E8A7-45D8-898F-80B9D5889670}" srcOrd="1" destOrd="0" presId="urn:microsoft.com/office/officeart/2018/2/layout/IconVerticalSolidList"/>
+    <dgm:cxn modelId="{24F96878-2E15-4B94-8A28-0B5499172CA8}" type="presParOf" srcId="{FC0CF6E1-674B-45B1-B442-9297552D66BC}" destId="{7E57B85E-4E68-464B-89A0-C85FFFF1CC88}" srcOrd="2" destOrd="0" presId="urn:microsoft.com/office/officeart/2018/2/layout/IconVerticalSolidList"/>
+    <dgm:cxn modelId="{2AE6AE3A-74A2-4399-BB9B-98EE44DF16DA}" type="presParOf" srcId="{7E57B85E-4E68-464B-89A0-C85FFFF1CC88}" destId="{30693BCA-0CC3-47FC-A67D-2BA13FE4FEFA}" srcOrd="0" destOrd="0" presId="urn:microsoft.com/office/officeart/2018/2/layout/IconVerticalSolidList"/>
+    <dgm:cxn modelId="{251EE7DE-69F8-4E3E-B88C-77FD387CB767}" type="presParOf" srcId="{7E57B85E-4E68-464B-89A0-C85FFFF1CC88}" destId="{9C7AE600-E434-4249-B599-40489E1971EE}" srcOrd="1" destOrd="0" presId="urn:microsoft.com/office/officeart/2018/2/layout/IconVerticalSolidList"/>
+    <dgm:cxn modelId="{2281B5EF-BB28-4F43-9385-442E9314320E}" type="presParOf" srcId="{7E57B85E-4E68-464B-89A0-C85FFFF1CC88}" destId="{51B44A43-FCC8-4677-BDF0-30466711914E}" srcOrd="2" destOrd="0" presId="urn:microsoft.com/office/officeart/2018/2/layout/IconVerticalSolidList"/>
+    <dgm:cxn modelId="{9C60395E-D226-4F7B-885A-228B2C53B2F9}" type="presParOf" srcId="{7E57B85E-4E68-464B-89A0-C85FFFF1CC88}" destId="{33369310-C9DC-4C00-AB4D-157D347BAB7D}" srcOrd="3" destOrd="0" presId="urn:microsoft.com/office/officeart/2018/2/layout/IconVerticalSolidList"/>
+    <dgm:cxn modelId="{892740C8-7C01-45B4-AB9B-EB19B107E1D0}" type="presParOf" srcId="{FC0CF6E1-674B-45B1-B442-9297552D66BC}" destId="{4DCA3434-AF13-4E8D-B2C1-B436B2A5D237}" srcOrd="3" destOrd="0" presId="urn:microsoft.com/office/officeart/2018/2/layout/IconVerticalSolidList"/>
+    <dgm:cxn modelId="{77CE2631-F43F-4893-9B39-FB0285CFF490}" type="presParOf" srcId="{FC0CF6E1-674B-45B1-B442-9297552D66BC}" destId="{F97A9F2B-6EF0-4E5A-A054-C8EFF7975AAB}" srcOrd="4" destOrd="0" presId="urn:microsoft.com/office/officeart/2018/2/layout/IconVerticalSolidList"/>
+    <dgm:cxn modelId="{980E00E3-BF36-4460-A970-FC84E724E980}" type="presParOf" srcId="{F97A9F2B-6EF0-4E5A-A054-C8EFF7975AAB}" destId="{EE6A1A94-7E93-4933-93DA-97261A7D4E10}" srcOrd="0" destOrd="0" presId="urn:microsoft.com/office/officeart/2018/2/layout/IconVerticalSolidList"/>
+    <dgm:cxn modelId="{F8943150-8F5B-4BDD-B5AD-9B9980B19BE6}" type="presParOf" srcId="{F97A9F2B-6EF0-4E5A-A054-C8EFF7975AAB}" destId="{248B1ED1-3207-4A21-A2B6-F6106CAC522E}" srcOrd="1" destOrd="0" presId="urn:microsoft.com/office/officeart/2018/2/layout/IconVerticalSolidList"/>
+    <dgm:cxn modelId="{FB22BFCD-1229-46C0-A890-D1A5C73576D2}" type="presParOf" srcId="{F97A9F2B-6EF0-4E5A-A054-C8EFF7975AAB}" destId="{924A9EF6-892A-4502-B070-9D5CEE768E08}" srcOrd="2" destOrd="0" presId="urn:microsoft.com/office/officeart/2018/2/layout/IconVerticalSolidList"/>
+    <dgm:cxn modelId="{52C2714F-9E89-43CD-8D35-C4C3DF7D2A0D}" type="presParOf" srcId="{F97A9F2B-6EF0-4E5A-A054-C8EFF7975AAB}" destId="{E6F53818-C1B2-4D49-8808-A37D218C4F71}" srcOrd="3" destOrd="0" presId="urn:microsoft.com/office/officeart/2018/2/layout/IconVerticalSolidList"/>
+    <dgm:cxn modelId="{878E426C-0859-460A-A2D3-9BF4DC5EE9C8}" type="presParOf" srcId="{FC0CF6E1-674B-45B1-B442-9297552D66BC}" destId="{2A27955E-AB70-4154-8375-F2165A590B64}" srcOrd="5" destOrd="0" presId="urn:microsoft.com/office/officeart/2018/2/layout/IconVerticalSolidList"/>
+    <dgm:cxn modelId="{4BD9A874-78E6-4F43-BE40-F88615520ADD}" type="presParOf" srcId="{FC0CF6E1-674B-45B1-B442-9297552D66BC}" destId="{ECBB0EE3-930B-4C5A-97AB-6BED3DC6A0DC}" srcOrd="6" destOrd="0" presId="urn:microsoft.com/office/officeart/2018/2/layout/IconVerticalSolidList"/>
+    <dgm:cxn modelId="{B17ED7F4-9F14-4937-908A-185898271A0D}" type="presParOf" srcId="{ECBB0EE3-930B-4C5A-97AB-6BED3DC6A0DC}" destId="{C80C5805-7499-4B7B-8BA3-F4C25372680F}" srcOrd="0" destOrd="0" presId="urn:microsoft.com/office/officeart/2018/2/layout/IconVerticalSolidList"/>
+    <dgm:cxn modelId="{134B905F-EB60-45C7-A2CF-4C23F81F937E}" type="presParOf" srcId="{ECBB0EE3-930B-4C5A-97AB-6BED3DC6A0DC}" destId="{6CB0A676-A23B-4170-B7B6-F48464A9AB24}" srcOrd="1" destOrd="0" presId="urn:microsoft.com/office/officeart/2018/2/layout/IconVerticalSolidList"/>
+    <dgm:cxn modelId="{51BBF2A2-069F-4A39-8259-6EB0C5EEF762}" type="presParOf" srcId="{ECBB0EE3-930B-4C5A-97AB-6BED3DC6A0DC}" destId="{47E70F1D-26D5-45A8-BD3B-B451EED238C7}" srcOrd="2" destOrd="0" presId="urn:microsoft.com/office/officeart/2018/2/layout/IconVerticalSolidList"/>
+    <dgm:cxn modelId="{8CEA8E16-DCD6-4CF0-B7FF-4B5B0E0EBED9}" type="presParOf" srcId="{ECBB0EE3-930B-4C5A-97AB-6BED3DC6A0DC}" destId="{12B2112C-8E42-4A6E-A33C-0D262B5EB117}" srcOrd="3" destOrd="0" presId="urn:microsoft.com/office/officeart/2018/2/layout/IconVerticalSolidList"/>
+    <dgm:cxn modelId="{B5CBE3C2-DF4C-4505-A0B0-2E2D59047F66}" type="presParOf" srcId="{FC0CF6E1-674B-45B1-B442-9297552D66BC}" destId="{0F43CCBC-DF55-4BE1-9796-B63E11816172}" srcOrd="7" destOrd="0" presId="urn:microsoft.com/office/officeart/2018/2/layout/IconVerticalSolidList"/>
+    <dgm:cxn modelId="{02FA1621-8096-4332-9584-8267F4275B20}" type="presParOf" srcId="{FC0CF6E1-674B-45B1-B442-9297552D66BC}" destId="{16F9DCA3-F046-44BD-B2DB-49598E039AB6}" srcOrd="8" destOrd="0" presId="urn:microsoft.com/office/officeart/2018/2/layout/IconVerticalSolidList"/>
+    <dgm:cxn modelId="{6011FC9D-31F4-4ACD-A66C-F7F689D80575}" type="presParOf" srcId="{16F9DCA3-F046-44BD-B2DB-49598E039AB6}" destId="{F40C31EB-BA45-475A-A3FD-12B67218ED9F}" srcOrd="0" destOrd="0" presId="urn:microsoft.com/office/officeart/2018/2/layout/IconVerticalSolidList"/>
+    <dgm:cxn modelId="{632192E6-DB1F-4210-A3D2-A2CDB22119B5}" type="presParOf" srcId="{16F9DCA3-F046-44BD-B2DB-49598E039AB6}" destId="{58B74A9F-A7C8-441E-B160-ABF1AD5A2AF7}" srcOrd="1" destOrd="0" presId="urn:microsoft.com/office/officeart/2018/2/layout/IconVerticalSolidList"/>
+    <dgm:cxn modelId="{BD795E75-52E2-4B5E-AFC8-1AED4676CB50}" type="presParOf" srcId="{16F9DCA3-F046-44BD-B2DB-49598E039AB6}" destId="{090B36E1-2283-44CC-A813-1FCC2813D405}" srcOrd="2" destOrd="0" presId="urn:microsoft.com/office/officeart/2018/2/layout/IconVerticalSolidList"/>
+    <dgm:cxn modelId="{4E626A5E-850C-4B0A-9F25-EE80908D8743}" type="presParOf" srcId="{16F9DCA3-F046-44BD-B2DB-49598E039AB6}" destId="{459538E4-6C68-486F-8198-F6571C4888B0}" srcOrd="3" destOrd="0" presId="urn:microsoft.com/office/officeart/2018/2/layout/IconVerticalSolidList"/>
+  </dgm:cxnLst>
+  <dgm:bg/>
+  <dgm:whole/>
+  <dgm:extLst>
+    <a:ext uri="http://schemas.microsoft.com/office/drawing/2008/diagram">
+      <dsp:dataModelExt xmlns:dsp="http://schemas.microsoft.com/office/drawing/2008/diagram" relId="rId6" minVer="http://schemas.openxmlformats.org/drawingml/2006/diagram"/>
+    </a:ext>
+  </dgm:extLst>
+</dgm:dataModel>
+</file>
+
+<file path=ppt/diagrams/data4.xml><?xml version="1.0" encoding="utf-8"?>
+<dgm:dataModel xmlns:dgm="http://schemas.openxmlformats.org/drawingml/2006/diagram" xmlns:a="http://schemas.openxmlformats.org/drawingml/2006/main">
+  <dgm:ptLst>
     <dgm:pt modelId="{0E463644-F907-407F-95FC-F9175AE06B1B}" type="doc">
       <dgm:prSet loTypeId="urn:microsoft.com/office/officeart/2018/2/layout/IconCircleList" loCatId="icon" qsTypeId="urn:microsoft.com/office/officeart/2005/8/quickstyle/simple1" qsCatId="simple" csTypeId="urn:microsoft.com/office/officeart/2018/5/colors/Iconchunking_neutralbg_accent1_2" csCatId="accent1" phldr="1"/>
       <dgm:spPr/>
@@ -3569,10 +5013,18 @@
         <a:lstStyle/>
         <a:p>
           <a:r>
-            <a:rPr lang="en-GB"/>
-            <a:t>Data pre-filtered in SearchGUI:</a:t>
+            <a:rPr lang="en-GB" dirty="0"/>
+            <a:t>Data pre-filtered in </a:t>
           </a:r>
-          <a:endParaRPr lang="en-US"/>
+          <a:r>
+            <a:rPr lang="en-GB" dirty="0" err="1"/>
+            <a:t>SearchGUI</a:t>
+          </a:r>
+          <a:r>
+            <a:rPr lang="en-GB" dirty="0"/>
+            <a:t>:</a:t>
+          </a:r>
+          <a:endParaRPr lang="en-US" dirty="0"/>
         </a:p>
       </dgm:t>
     </dgm:pt>
@@ -5668,6 +7120,778 @@
       <dsp:cNvGrpSpPr/>
     </dsp:nvGrpSpPr>
     <dsp:grpSpPr/>
+    <dsp:sp modelId="{0FD9856F-440D-44DA-9142-FD87BF19715B}">
+      <dsp:nvSpPr>
+        <dsp:cNvPr id="0" name=""/>
+        <dsp:cNvSpPr/>
+      </dsp:nvSpPr>
+      <dsp:spPr>
+        <a:xfrm>
+          <a:off x="0" y="3275"/>
+          <a:ext cx="4683949" cy="697576"/>
+        </a:xfrm>
+        <a:prstGeom prst="roundRect">
+          <a:avLst>
+            <a:gd name="adj" fmla="val 10000"/>
+          </a:avLst>
+        </a:prstGeom>
+        <a:solidFill>
+          <a:schemeClr val="bg1">
+            <a:lumMod val="95000"/>
+            <a:hueOff val="0"/>
+            <a:satOff val="0"/>
+            <a:lumOff val="0"/>
+            <a:alphaOff val="0"/>
+          </a:schemeClr>
+        </a:solidFill>
+        <a:ln>
+          <a:noFill/>
+        </a:ln>
+        <a:effectLst/>
+      </dsp:spPr>
+      <dsp:style>
+        <a:lnRef idx="0">
+          <a:scrgbClr r="0" g="0" b="0"/>
+        </a:lnRef>
+        <a:fillRef idx="1">
+          <a:scrgbClr r="0" g="0" b="0"/>
+        </a:fillRef>
+        <a:effectRef idx="0">
+          <a:scrgbClr r="0" g="0" b="0"/>
+        </a:effectRef>
+        <a:fontRef idx="minor"/>
+      </dsp:style>
+    </dsp:sp>
+    <dsp:sp modelId="{7BACB2D7-10A6-4FE6-AD73-6C8A34987DA2}">
+      <dsp:nvSpPr>
+        <dsp:cNvPr id="0" name=""/>
+        <dsp:cNvSpPr/>
+      </dsp:nvSpPr>
+      <dsp:spPr>
+        <a:xfrm>
+          <a:off x="211016" y="160229"/>
+          <a:ext cx="383667" cy="383667"/>
+        </a:xfrm>
+        <a:prstGeom prst="rect">
+          <a:avLst/>
+        </a:prstGeom>
+        <a:blipFill>
+          <a:blip xmlns:r="http://schemas.openxmlformats.org/officeDocument/2006/relationships" r:embed="rId1">
+            <a:extLst>
+              <a:ext uri="{28A0092B-C50C-407E-A947-70E740481C1C}">
+                <a14:useLocalDpi xmlns:a14="http://schemas.microsoft.com/office/drawing/2010/main" val="0"/>
+              </a:ext>
+              <a:ext uri="{96DAC541-7B7A-43D3-8B79-37D633B846F1}">
+                <asvg:svgBlip xmlns:asvg="http://schemas.microsoft.com/office/drawing/2016/SVG/main" r:embed="rId2"/>
+              </a:ext>
+            </a:extLst>
+          </a:blip>
+          <a:stretch>
+            <a:fillRect/>
+          </a:stretch>
+        </a:blipFill>
+        <a:ln w="25400" cap="flat" cmpd="sng" algn="ctr">
+          <a:noFill/>
+          <a:prstDash val="solid"/>
+        </a:ln>
+        <a:effectLst/>
+      </dsp:spPr>
+      <dsp:style>
+        <a:lnRef idx="2">
+          <a:scrgbClr r="0" g="0" b="0"/>
+        </a:lnRef>
+        <a:fillRef idx="1">
+          <a:scrgbClr r="0" g="0" b="0"/>
+        </a:fillRef>
+        <a:effectRef idx="0">
+          <a:scrgbClr r="0" g="0" b="0"/>
+        </a:effectRef>
+        <a:fontRef idx="minor">
+          <a:schemeClr val="lt1"/>
+        </a:fontRef>
+      </dsp:style>
+    </dsp:sp>
+    <dsp:sp modelId="{72E963CD-2375-4685-85B9-24508107C447}">
+      <dsp:nvSpPr>
+        <dsp:cNvPr id="0" name=""/>
+        <dsp:cNvSpPr/>
+      </dsp:nvSpPr>
+      <dsp:spPr>
+        <a:xfrm>
+          <a:off x="805701" y="3275"/>
+          <a:ext cx="3878247" cy="697576"/>
+        </a:xfrm>
+        <a:prstGeom prst="rect">
+          <a:avLst/>
+        </a:prstGeom>
+        <a:noFill/>
+        <a:ln>
+          <a:noFill/>
+        </a:ln>
+        <a:effectLst/>
+      </dsp:spPr>
+      <dsp:style>
+        <a:lnRef idx="0">
+          <a:scrgbClr r="0" g="0" b="0"/>
+        </a:lnRef>
+        <a:fillRef idx="0">
+          <a:scrgbClr r="0" g="0" b="0"/>
+        </a:fillRef>
+        <a:effectRef idx="0">
+          <a:scrgbClr r="0" g="0" b="0"/>
+        </a:effectRef>
+        <a:fontRef idx="minor"/>
+      </dsp:style>
+      <dsp:txBody>
+        <a:bodyPr spcFirstLastPara="0" vert="horz" wrap="square" lIns="73827" tIns="73827" rIns="73827" bIns="73827" numCol="1" spcCol="1270" anchor="ctr" anchorCtr="0">
+          <a:noAutofit/>
+        </a:bodyPr>
+        <a:lstStyle/>
+        <a:p>
+          <a:pPr marL="0" lvl="0" indent="0" algn="l" defTabSz="844550">
+            <a:lnSpc>
+              <a:spcPct val="90000"/>
+            </a:lnSpc>
+            <a:spcBef>
+              <a:spcPct val="0"/>
+            </a:spcBef>
+            <a:spcAft>
+              <a:spcPct val="35000"/>
+            </a:spcAft>
+            <a:buNone/>
+          </a:pPr>
+          <a:r>
+            <a:rPr lang="en-GB" sz="1900" kern="1200"/>
+            <a:t>MS-GF+ engine</a:t>
+          </a:r>
+          <a:endParaRPr lang="en-US" sz="1900" kern="1200"/>
+        </a:p>
+      </dsp:txBody>
+      <dsp:txXfrm>
+        <a:off x="805701" y="3275"/>
+        <a:ext cx="3878247" cy="697576"/>
+      </dsp:txXfrm>
+    </dsp:sp>
+    <dsp:sp modelId="{30693BCA-0CC3-47FC-A67D-2BA13FE4FEFA}">
+      <dsp:nvSpPr>
+        <dsp:cNvPr id="0" name=""/>
+        <dsp:cNvSpPr/>
+      </dsp:nvSpPr>
+      <dsp:spPr>
+        <a:xfrm>
+          <a:off x="0" y="875245"/>
+          <a:ext cx="4683949" cy="697576"/>
+        </a:xfrm>
+        <a:prstGeom prst="roundRect">
+          <a:avLst>
+            <a:gd name="adj" fmla="val 10000"/>
+          </a:avLst>
+        </a:prstGeom>
+        <a:solidFill>
+          <a:schemeClr val="bg1">
+            <a:lumMod val="95000"/>
+            <a:hueOff val="0"/>
+            <a:satOff val="0"/>
+            <a:lumOff val="0"/>
+            <a:alphaOff val="0"/>
+          </a:schemeClr>
+        </a:solidFill>
+        <a:ln>
+          <a:noFill/>
+        </a:ln>
+        <a:effectLst/>
+      </dsp:spPr>
+      <dsp:style>
+        <a:lnRef idx="0">
+          <a:scrgbClr r="0" g="0" b="0"/>
+        </a:lnRef>
+        <a:fillRef idx="1">
+          <a:scrgbClr r="0" g="0" b="0"/>
+        </a:fillRef>
+        <a:effectRef idx="0">
+          <a:scrgbClr r="0" g="0" b="0"/>
+        </a:effectRef>
+        <a:fontRef idx="minor"/>
+      </dsp:style>
+    </dsp:sp>
+    <dsp:sp modelId="{9C7AE600-E434-4249-B599-40489E1971EE}">
+      <dsp:nvSpPr>
+        <dsp:cNvPr id="0" name=""/>
+        <dsp:cNvSpPr/>
+      </dsp:nvSpPr>
+      <dsp:spPr>
+        <a:xfrm>
+          <a:off x="211016" y="1032200"/>
+          <a:ext cx="383667" cy="383667"/>
+        </a:xfrm>
+        <a:prstGeom prst="rect">
+          <a:avLst/>
+        </a:prstGeom>
+        <a:blipFill>
+          <a:blip xmlns:r="http://schemas.openxmlformats.org/officeDocument/2006/relationships" r:embed="rId3">
+            <a:extLst>
+              <a:ext uri="{28A0092B-C50C-407E-A947-70E740481C1C}">
+                <a14:useLocalDpi xmlns:a14="http://schemas.microsoft.com/office/drawing/2010/main" val="0"/>
+              </a:ext>
+              <a:ext uri="{96DAC541-7B7A-43D3-8B79-37D633B846F1}">
+                <asvg:svgBlip xmlns:asvg="http://schemas.microsoft.com/office/drawing/2016/SVG/main" r:embed="rId4"/>
+              </a:ext>
+            </a:extLst>
+          </a:blip>
+          <a:stretch>
+            <a:fillRect/>
+          </a:stretch>
+        </a:blipFill>
+        <a:ln w="25400" cap="flat" cmpd="sng" algn="ctr">
+          <a:noFill/>
+          <a:prstDash val="solid"/>
+        </a:ln>
+        <a:effectLst/>
+      </dsp:spPr>
+      <dsp:style>
+        <a:lnRef idx="2">
+          <a:scrgbClr r="0" g="0" b="0"/>
+        </a:lnRef>
+        <a:fillRef idx="1">
+          <a:scrgbClr r="0" g="0" b="0"/>
+        </a:fillRef>
+        <a:effectRef idx="0">
+          <a:scrgbClr r="0" g="0" b="0"/>
+        </a:effectRef>
+        <a:fontRef idx="minor">
+          <a:schemeClr val="lt1"/>
+        </a:fontRef>
+      </dsp:style>
+    </dsp:sp>
+    <dsp:sp modelId="{33369310-C9DC-4C00-AB4D-157D347BAB7D}">
+      <dsp:nvSpPr>
+        <dsp:cNvPr id="0" name=""/>
+        <dsp:cNvSpPr/>
+      </dsp:nvSpPr>
+      <dsp:spPr>
+        <a:xfrm>
+          <a:off x="805701" y="875245"/>
+          <a:ext cx="3878247" cy="697576"/>
+        </a:xfrm>
+        <a:prstGeom prst="rect">
+          <a:avLst/>
+        </a:prstGeom>
+        <a:noFill/>
+        <a:ln>
+          <a:noFill/>
+        </a:ln>
+        <a:effectLst/>
+      </dsp:spPr>
+      <dsp:style>
+        <a:lnRef idx="0">
+          <a:scrgbClr r="0" g="0" b="0"/>
+        </a:lnRef>
+        <a:fillRef idx="0">
+          <a:scrgbClr r="0" g="0" b="0"/>
+        </a:fillRef>
+        <a:effectRef idx="0">
+          <a:scrgbClr r="0" g="0" b="0"/>
+        </a:effectRef>
+        <a:fontRef idx="minor"/>
+      </dsp:style>
+      <dsp:txBody>
+        <a:bodyPr spcFirstLastPara="0" vert="horz" wrap="square" lIns="73827" tIns="73827" rIns="73827" bIns="73827" numCol="1" spcCol="1270" anchor="ctr" anchorCtr="0">
+          <a:noAutofit/>
+        </a:bodyPr>
+        <a:lstStyle/>
+        <a:p>
+          <a:pPr marL="0" lvl="0" indent="0" algn="l" defTabSz="844550">
+            <a:lnSpc>
+              <a:spcPct val="90000"/>
+            </a:lnSpc>
+            <a:spcBef>
+              <a:spcPct val="0"/>
+            </a:spcBef>
+            <a:spcAft>
+              <a:spcPct val="35000"/>
+            </a:spcAft>
+            <a:buNone/>
+          </a:pPr>
+          <a:r>
+            <a:rPr lang="en-GB" sz="1900" kern="1200"/>
+            <a:t>Swiss Prot database</a:t>
+          </a:r>
+          <a:endParaRPr lang="en-US" sz="1900" kern="1200"/>
+        </a:p>
+      </dsp:txBody>
+      <dsp:txXfrm>
+        <a:off x="805701" y="875245"/>
+        <a:ext cx="3878247" cy="697576"/>
+      </dsp:txXfrm>
+    </dsp:sp>
+    <dsp:sp modelId="{EE6A1A94-7E93-4933-93DA-97261A7D4E10}">
+      <dsp:nvSpPr>
+        <dsp:cNvPr id="0" name=""/>
+        <dsp:cNvSpPr/>
+      </dsp:nvSpPr>
+      <dsp:spPr>
+        <a:xfrm>
+          <a:off x="0" y="1747216"/>
+          <a:ext cx="4683949" cy="697576"/>
+        </a:xfrm>
+        <a:prstGeom prst="roundRect">
+          <a:avLst>
+            <a:gd name="adj" fmla="val 10000"/>
+          </a:avLst>
+        </a:prstGeom>
+        <a:solidFill>
+          <a:schemeClr val="bg1">
+            <a:lumMod val="95000"/>
+            <a:hueOff val="0"/>
+            <a:satOff val="0"/>
+            <a:lumOff val="0"/>
+            <a:alphaOff val="0"/>
+          </a:schemeClr>
+        </a:solidFill>
+        <a:ln>
+          <a:noFill/>
+        </a:ln>
+        <a:effectLst/>
+      </dsp:spPr>
+      <dsp:style>
+        <a:lnRef idx="0">
+          <a:scrgbClr r="0" g="0" b="0"/>
+        </a:lnRef>
+        <a:fillRef idx="1">
+          <a:scrgbClr r="0" g="0" b="0"/>
+        </a:fillRef>
+        <a:effectRef idx="0">
+          <a:scrgbClr r="0" g="0" b="0"/>
+        </a:effectRef>
+        <a:fontRef idx="minor"/>
+      </dsp:style>
+    </dsp:sp>
+    <dsp:sp modelId="{248B1ED1-3207-4A21-A2B6-F6106CAC522E}">
+      <dsp:nvSpPr>
+        <dsp:cNvPr id="0" name=""/>
+        <dsp:cNvSpPr/>
+      </dsp:nvSpPr>
+      <dsp:spPr>
+        <a:xfrm>
+          <a:off x="211016" y="1904171"/>
+          <a:ext cx="383667" cy="383667"/>
+        </a:xfrm>
+        <a:prstGeom prst="rect">
+          <a:avLst/>
+        </a:prstGeom>
+        <a:blipFill>
+          <a:blip xmlns:r="http://schemas.openxmlformats.org/officeDocument/2006/relationships" r:embed="rId5">
+            <a:extLst>
+              <a:ext uri="{28A0092B-C50C-407E-A947-70E740481C1C}">
+                <a14:useLocalDpi xmlns:a14="http://schemas.microsoft.com/office/drawing/2010/main" val="0"/>
+              </a:ext>
+              <a:ext uri="{96DAC541-7B7A-43D3-8B79-37D633B846F1}">
+                <asvg:svgBlip xmlns:asvg="http://schemas.microsoft.com/office/drawing/2016/SVG/main" r:embed="rId6"/>
+              </a:ext>
+            </a:extLst>
+          </a:blip>
+          <a:stretch>
+            <a:fillRect/>
+          </a:stretch>
+        </a:blipFill>
+        <a:ln w="25400" cap="flat" cmpd="sng" algn="ctr">
+          <a:noFill/>
+          <a:prstDash val="solid"/>
+        </a:ln>
+        <a:effectLst/>
+      </dsp:spPr>
+      <dsp:style>
+        <a:lnRef idx="2">
+          <a:scrgbClr r="0" g="0" b="0"/>
+        </a:lnRef>
+        <a:fillRef idx="1">
+          <a:scrgbClr r="0" g="0" b="0"/>
+        </a:fillRef>
+        <a:effectRef idx="0">
+          <a:scrgbClr r="0" g="0" b="0"/>
+        </a:effectRef>
+        <a:fontRef idx="minor">
+          <a:schemeClr val="lt1"/>
+        </a:fontRef>
+      </dsp:style>
+    </dsp:sp>
+    <dsp:sp modelId="{E6F53818-C1B2-4D49-8808-A37D218C4F71}">
+      <dsp:nvSpPr>
+        <dsp:cNvPr id="0" name=""/>
+        <dsp:cNvSpPr/>
+      </dsp:nvSpPr>
+      <dsp:spPr>
+        <a:xfrm>
+          <a:off x="805701" y="1747216"/>
+          <a:ext cx="3878247" cy="697576"/>
+        </a:xfrm>
+        <a:prstGeom prst="rect">
+          <a:avLst/>
+        </a:prstGeom>
+        <a:noFill/>
+        <a:ln>
+          <a:noFill/>
+        </a:ln>
+        <a:effectLst/>
+      </dsp:spPr>
+      <dsp:style>
+        <a:lnRef idx="0">
+          <a:scrgbClr r="0" g="0" b="0"/>
+        </a:lnRef>
+        <a:fillRef idx="0">
+          <a:scrgbClr r="0" g="0" b="0"/>
+        </a:fillRef>
+        <a:effectRef idx="0">
+          <a:scrgbClr r="0" g="0" b="0"/>
+        </a:effectRef>
+        <a:fontRef idx="minor"/>
+      </dsp:style>
+      <dsp:txBody>
+        <a:bodyPr spcFirstLastPara="0" vert="horz" wrap="square" lIns="73827" tIns="73827" rIns="73827" bIns="73827" numCol="1" spcCol="1270" anchor="ctr" anchorCtr="0">
+          <a:noAutofit/>
+        </a:bodyPr>
+        <a:lstStyle/>
+        <a:p>
+          <a:pPr marL="0" lvl="0" indent="0" algn="l" defTabSz="844550">
+            <a:lnSpc>
+              <a:spcPct val="90000"/>
+            </a:lnSpc>
+            <a:spcBef>
+              <a:spcPct val="0"/>
+            </a:spcBef>
+            <a:spcAft>
+              <a:spcPct val="35000"/>
+            </a:spcAft>
+            <a:buNone/>
+          </a:pPr>
+          <a:r>
+            <a:rPr lang="en-GB" sz="1900" kern="1200"/>
+            <a:t>Human Genome FASTA with decoys</a:t>
+          </a:r>
+          <a:endParaRPr lang="en-US" sz="1900" kern="1200"/>
+        </a:p>
+      </dsp:txBody>
+      <dsp:txXfrm>
+        <a:off x="805701" y="1747216"/>
+        <a:ext cx="3878247" cy="697576"/>
+      </dsp:txXfrm>
+    </dsp:sp>
+    <dsp:sp modelId="{C80C5805-7499-4B7B-8BA3-F4C25372680F}">
+      <dsp:nvSpPr>
+        <dsp:cNvPr id="0" name=""/>
+        <dsp:cNvSpPr/>
+      </dsp:nvSpPr>
+      <dsp:spPr>
+        <a:xfrm>
+          <a:off x="0" y="2619187"/>
+          <a:ext cx="4683949" cy="697576"/>
+        </a:xfrm>
+        <a:prstGeom prst="roundRect">
+          <a:avLst>
+            <a:gd name="adj" fmla="val 10000"/>
+          </a:avLst>
+        </a:prstGeom>
+        <a:solidFill>
+          <a:schemeClr val="bg1">
+            <a:lumMod val="95000"/>
+            <a:hueOff val="0"/>
+            <a:satOff val="0"/>
+            <a:lumOff val="0"/>
+            <a:alphaOff val="0"/>
+          </a:schemeClr>
+        </a:solidFill>
+        <a:ln>
+          <a:noFill/>
+        </a:ln>
+        <a:effectLst/>
+      </dsp:spPr>
+      <dsp:style>
+        <a:lnRef idx="0">
+          <a:scrgbClr r="0" g="0" b="0"/>
+        </a:lnRef>
+        <a:fillRef idx="1">
+          <a:scrgbClr r="0" g="0" b="0"/>
+        </a:fillRef>
+        <a:effectRef idx="0">
+          <a:scrgbClr r="0" g="0" b="0"/>
+        </a:effectRef>
+        <a:fontRef idx="minor"/>
+      </dsp:style>
+    </dsp:sp>
+    <dsp:sp modelId="{6CB0A676-A23B-4170-B7B6-F48464A9AB24}">
+      <dsp:nvSpPr>
+        <dsp:cNvPr id="0" name=""/>
+        <dsp:cNvSpPr/>
+      </dsp:nvSpPr>
+      <dsp:spPr>
+        <a:xfrm>
+          <a:off x="211016" y="2776142"/>
+          <a:ext cx="383667" cy="383667"/>
+        </a:xfrm>
+        <a:prstGeom prst="rect">
+          <a:avLst/>
+        </a:prstGeom>
+        <a:blipFill>
+          <a:blip xmlns:r="http://schemas.openxmlformats.org/officeDocument/2006/relationships" r:embed="rId7">
+            <a:extLst>
+              <a:ext uri="{28A0092B-C50C-407E-A947-70E740481C1C}">
+                <a14:useLocalDpi xmlns:a14="http://schemas.microsoft.com/office/drawing/2010/main" val="0"/>
+              </a:ext>
+              <a:ext uri="{96DAC541-7B7A-43D3-8B79-37D633B846F1}">
+                <asvg:svgBlip xmlns:asvg="http://schemas.microsoft.com/office/drawing/2016/SVG/main" r:embed="rId8"/>
+              </a:ext>
+            </a:extLst>
+          </a:blip>
+          <a:stretch>
+            <a:fillRect/>
+          </a:stretch>
+        </a:blipFill>
+        <a:ln w="25400" cap="flat" cmpd="sng" algn="ctr">
+          <a:noFill/>
+          <a:prstDash val="solid"/>
+        </a:ln>
+        <a:effectLst/>
+      </dsp:spPr>
+      <dsp:style>
+        <a:lnRef idx="2">
+          <a:scrgbClr r="0" g="0" b="0"/>
+        </a:lnRef>
+        <a:fillRef idx="1">
+          <a:scrgbClr r="0" g="0" b="0"/>
+        </a:fillRef>
+        <a:effectRef idx="0">
+          <a:scrgbClr r="0" g="0" b="0"/>
+        </a:effectRef>
+        <a:fontRef idx="minor">
+          <a:schemeClr val="lt1"/>
+        </a:fontRef>
+      </dsp:style>
+    </dsp:sp>
+    <dsp:sp modelId="{12B2112C-8E42-4A6E-A33C-0D262B5EB117}">
+      <dsp:nvSpPr>
+        <dsp:cNvPr id="0" name=""/>
+        <dsp:cNvSpPr/>
+      </dsp:nvSpPr>
+      <dsp:spPr>
+        <a:xfrm>
+          <a:off x="805701" y="2619187"/>
+          <a:ext cx="3878247" cy="697576"/>
+        </a:xfrm>
+        <a:prstGeom prst="rect">
+          <a:avLst/>
+        </a:prstGeom>
+        <a:noFill/>
+        <a:ln>
+          <a:noFill/>
+        </a:ln>
+        <a:effectLst/>
+      </dsp:spPr>
+      <dsp:style>
+        <a:lnRef idx="0">
+          <a:scrgbClr r="0" g="0" b="0"/>
+        </a:lnRef>
+        <a:fillRef idx="0">
+          <a:scrgbClr r="0" g="0" b="0"/>
+        </a:fillRef>
+        <a:effectRef idx="0">
+          <a:scrgbClr r="0" g="0" b="0"/>
+        </a:effectRef>
+        <a:fontRef idx="minor"/>
+      </dsp:style>
+      <dsp:txBody>
+        <a:bodyPr spcFirstLastPara="0" vert="horz" wrap="square" lIns="73827" tIns="73827" rIns="73827" bIns="73827" numCol="1" spcCol="1270" anchor="ctr" anchorCtr="0">
+          <a:noAutofit/>
+        </a:bodyPr>
+        <a:lstStyle/>
+        <a:p>
+          <a:pPr marL="0" lvl="0" indent="0" algn="l" defTabSz="844550">
+            <a:lnSpc>
+              <a:spcPct val="90000"/>
+            </a:lnSpc>
+            <a:spcBef>
+              <a:spcPct val="0"/>
+            </a:spcBef>
+            <a:spcAft>
+              <a:spcPct val="35000"/>
+            </a:spcAft>
+            <a:buNone/>
+          </a:pPr>
+          <a:r>
+            <a:rPr lang="en-GB" sz="1900" kern="1200"/>
+            <a:t>Number of peptide matches: 10</a:t>
+          </a:r>
+          <a:endParaRPr lang="en-US" sz="1900" kern="1200"/>
+        </a:p>
+      </dsp:txBody>
+      <dsp:txXfrm>
+        <a:off x="805701" y="2619187"/>
+        <a:ext cx="3878247" cy="697576"/>
+      </dsp:txXfrm>
+    </dsp:sp>
+    <dsp:sp modelId="{F40C31EB-BA45-475A-A3FD-12B67218ED9F}">
+      <dsp:nvSpPr>
+        <dsp:cNvPr id="0" name=""/>
+        <dsp:cNvSpPr/>
+      </dsp:nvSpPr>
+      <dsp:spPr>
+        <a:xfrm>
+          <a:off x="0" y="3491158"/>
+          <a:ext cx="4683949" cy="697576"/>
+        </a:xfrm>
+        <a:prstGeom prst="roundRect">
+          <a:avLst>
+            <a:gd name="adj" fmla="val 10000"/>
+          </a:avLst>
+        </a:prstGeom>
+        <a:solidFill>
+          <a:schemeClr val="bg1">
+            <a:lumMod val="95000"/>
+            <a:hueOff val="0"/>
+            <a:satOff val="0"/>
+            <a:lumOff val="0"/>
+            <a:alphaOff val="0"/>
+          </a:schemeClr>
+        </a:solidFill>
+        <a:ln>
+          <a:noFill/>
+        </a:ln>
+        <a:effectLst/>
+      </dsp:spPr>
+      <dsp:style>
+        <a:lnRef idx="0">
+          <a:scrgbClr r="0" g="0" b="0"/>
+        </a:lnRef>
+        <a:fillRef idx="1">
+          <a:scrgbClr r="0" g="0" b="0"/>
+        </a:fillRef>
+        <a:effectRef idx="0">
+          <a:scrgbClr r="0" g="0" b="0"/>
+        </a:effectRef>
+        <a:fontRef idx="minor"/>
+      </dsp:style>
+    </dsp:sp>
+    <dsp:sp modelId="{58B74A9F-A7C8-441E-B160-ABF1AD5A2AF7}">
+      <dsp:nvSpPr>
+        <dsp:cNvPr id="0" name=""/>
+        <dsp:cNvSpPr/>
+      </dsp:nvSpPr>
+      <dsp:spPr>
+        <a:xfrm>
+          <a:off x="211016" y="3648113"/>
+          <a:ext cx="383667" cy="383667"/>
+        </a:xfrm>
+        <a:prstGeom prst="rect">
+          <a:avLst/>
+        </a:prstGeom>
+        <a:blipFill>
+          <a:blip xmlns:r="http://schemas.openxmlformats.org/officeDocument/2006/relationships" r:embed="rId9">
+            <a:extLst>
+              <a:ext uri="{28A0092B-C50C-407E-A947-70E740481C1C}">
+                <a14:useLocalDpi xmlns:a14="http://schemas.microsoft.com/office/drawing/2010/main" val="0"/>
+              </a:ext>
+              <a:ext uri="{96DAC541-7B7A-43D3-8B79-37D633B846F1}">
+                <asvg:svgBlip xmlns:asvg="http://schemas.microsoft.com/office/drawing/2016/SVG/main" r:embed="rId10"/>
+              </a:ext>
+            </a:extLst>
+          </a:blip>
+          <a:stretch>
+            <a:fillRect/>
+          </a:stretch>
+        </a:blipFill>
+        <a:ln w="25400" cap="flat" cmpd="sng" algn="ctr">
+          <a:noFill/>
+          <a:prstDash val="solid"/>
+        </a:ln>
+        <a:effectLst/>
+      </dsp:spPr>
+      <dsp:style>
+        <a:lnRef idx="2">
+          <a:scrgbClr r="0" g="0" b="0"/>
+        </a:lnRef>
+        <a:fillRef idx="1">
+          <a:scrgbClr r="0" g="0" b="0"/>
+        </a:fillRef>
+        <a:effectRef idx="0">
+          <a:scrgbClr r="0" g="0" b="0"/>
+        </a:effectRef>
+        <a:fontRef idx="minor">
+          <a:schemeClr val="lt1"/>
+        </a:fontRef>
+      </dsp:style>
+    </dsp:sp>
+    <dsp:sp modelId="{459538E4-6C68-486F-8198-F6571C4888B0}">
+      <dsp:nvSpPr>
+        <dsp:cNvPr id="0" name=""/>
+        <dsp:cNvSpPr/>
+      </dsp:nvSpPr>
+      <dsp:spPr>
+        <a:xfrm>
+          <a:off x="805701" y="3491158"/>
+          <a:ext cx="3878247" cy="697576"/>
+        </a:xfrm>
+        <a:prstGeom prst="rect">
+          <a:avLst/>
+        </a:prstGeom>
+        <a:noFill/>
+        <a:ln>
+          <a:noFill/>
+        </a:ln>
+        <a:effectLst/>
+      </dsp:spPr>
+      <dsp:style>
+        <a:lnRef idx="0">
+          <a:scrgbClr r="0" g="0" b="0"/>
+        </a:lnRef>
+        <a:fillRef idx="0">
+          <a:scrgbClr r="0" g="0" b="0"/>
+        </a:fillRef>
+        <a:effectRef idx="0">
+          <a:scrgbClr r="0" g="0" b="0"/>
+        </a:effectRef>
+        <a:fontRef idx="minor"/>
+      </dsp:style>
+      <dsp:txBody>
+        <a:bodyPr spcFirstLastPara="0" vert="horz" wrap="square" lIns="73827" tIns="73827" rIns="73827" bIns="73827" numCol="1" spcCol="1270" anchor="ctr" anchorCtr="0">
+          <a:noAutofit/>
+        </a:bodyPr>
+        <a:lstStyle/>
+        <a:p>
+          <a:pPr marL="0" lvl="0" indent="0" algn="l" defTabSz="844550">
+            <a:lnSpc>
+              <a:spcPct val="90000"/>
+            </a:lnSpc>
+            <a:spcBef>
+              <a:spcPct val="0"/>
+            </a:spcBef>
+            <a:spcAft>
+              <a:spcPct val="35000"/>
+            </a:spcAft>
+            <a:buNone/>
+          </a:pPr>
+          <a:r>
+            <a:rPr lang="en-GB" sz="1900" kern="1200"/>
+            <a:t>Max variable PTMs per peptide: 2</a:t>
+          </a:r>
+          <a:endParaRPr lang="en-US" sz="1900" kern="1200"/>
+        </a:p>
+      </dsp:txBody>
+      <dsp:txXfrm>
+        <a:off x="805701" y="3491158"/>
+        <a:ext cx="3878247" cy="697576"/>
+      </dsp:txXfrm>
+    </dsp:sp>
+  </dsp:spTree>
+</dsp:drawing>
+</file>
+
+<file path=ppt/diagrams/drawing4.xml><?xml version="1.0" encoding="utf-8"?>
+<dsp:drawing xmlns:dgm="http://schemas.openxmlformats.org/drawingml/2006/diagram" xmlns:dsp="http://schemas.microsoft.com/office/drawing/2008/diagram" xmlns:a="http://schemas.openxmlformats.org/drawingml/2006/main">
+  <dsp:spTree>
+    <dsp:nvGrpSpPr>
+      <dsp:cNvPr id="0" name=""/>
+      <dsp:cNvGrpSpPr/>
+    </dsp:nvGrpSpPr>
+    <dsp:grpSpPr/>
     <dsp:sp modelId="{8C4C6AAB-4F5F-48D5-80DE-9FA68DD75047}">
       <dsp:nvSpPr>
         <dsp:cNvPr id="0" name=""/>
@@ -5957,10 +8181,18 @@
             <a:buNone/>
           </a:pPr>
           <a:r>
-            <a:rPr lang="en-GB" sz="2300" kern="1200"/>
-            <a:t>Data pre-filtered in SearchGUI:</a:t>
+            <a:rPr lang="en-GB" sz="2300" kern="1200" dirty="0"/>
+            <a:t>Data pre-filtered in </a:t>
           </a:r>
-          <a:endParaRPr lang="en-US" sz="2300" kern="1200"/>
+          <a:r>
+            <a:rPr lang="en-GB" sz="2300" kern="1200" dirty="0" err="1"/>
+            <a:t>SearchGUI</a:t>
+          </a:r>
+          <a:r>
+            <a:rPr lang="en-GB" sz="2300" kern="1200" dirty="0"/>
+            <a:t>:</a:t>
+          </a:r>
+          <a:endParaRPr lang="en-US" sz="2300" kern="1200" dirty="0"/>
         </a:p>
       </dsp:txBody>
       <dsp:txXfrm>
@@ -6929,6 +9161,300 @@
 </file>
 
 <file path=ppt/diagrams/layout3.xml><?xml version="1.0" encoding="utf-8"?>
+<dgm:layoutDef xmlns:dgm="http://schemas.openxmlformats.org/drawingml/2006/diagram" xmlns:a="http://schemas.openxmlformats.org/drawingml/2006/main" uniqueId="urn:microsoft.com/office/officeart/2018/2/layout/IconVerticalSolidList">
+  <dgm:title val="Icon Vertical Solid List"/>
+  <dgm:desc val="Use to show a series of visuals from top to bottom with Level 1 or Level 1 and Level 2 text grouped in a shape. Works best with icons or small pictures with lengthier descriptions."/>
+  <dgm:catLst>
+    <dgm:cat type="icon" pri="500"/>
+  </dgm:catLst>
+  <dgm:sampData useDef="1">
+    <dgm:dataModel>
+      <dgm:ptLst/>
+      <dgm:bg/>
+      <dgm:whole/>
+    </dgm:dataModel>
+  </dgm:sampData>
+  <dgm:styleData useDef="1">
+    <dgm:dataModel>
+      <dgm:ptLst/>
+      <dgm:bg/>
+      <dgm:whole/>
+    </dgm:dataModel>
+  </dgm:styleData>
+  <dgm:clrData useDef="1">
+    <dgm:dataModel>
+      <dgm:ptLst/>
+      <dgm:bg/>
+      <dgm:whole/>
+    </dgm:dataModel>
+  </dgm:clrData>
+  <dgm:layoutNode name="root">
+    <dgm:varLst>
+      <dgm:dir/>
+      <dgm:resizeHandles val="exact"/>
+    </dgm:varLst>
+    <dgm:choose name="Name0">
+      <dgm:if name="Name1" axis="self" func="var" arg="dir" op="equ" val="norm">
+        <dgm:alg type="lin">
+          <dgm:param type="linDir" val="fromT"/>
+          <dgm:param type="nodeHorzAlign" val="l"/>
+        </dgm:alg>
+      </dgm:if>
+      <dgm:else name="Name2">
+        <dgm:alg type="lin">
+          <dgm:param type="linDir" val="fromT"/>
+          <dgm:param type="nodeHorzAlign" val="r"/>
+        </dgm:alg>
+      </dgm:else>
+    </dgm:choose>
+    <dgm:shape xmlns:r="http://schemas.openxmlformats.org/officeDocument/2006/relationships" r:blip="">
+      <dgm:adjLst/>
+    </dgm:shape>
+    <dgm:presOf/>
+    <dgm:choose name="Name3">
+      <dgm:if name="Name4" axis="ch" ptType="node" func="cnt" op="lte" val="3">
+        <dgm:constrLst>
+          <dgm:constr type="h" for="ch" forName="compNode" refType="h" fact="0.3"/>
+          <dgm:constr type="w" for="ch" forName="compNode" refType="w"/>
+          <dgm:constr type="h" for="ch" forName="sibTrans" refType="h" refFor="ch" refForName="compNode" fact="0.25"/>
+          <dgm:constr type="primFontSz" for="des" forName="parTx" val="25"/>
+          <dgm:constr type="primFontSz" for="des" forName="desTx" refType="primFontSz" refFor="des" refForName="parTx" op="lte" fact="0.75"/>
+          <dgm:constr type="h" for="des" forName="compNode" op="equ"/>
+          <dgm:constr type="h" for="des" forName="bgRect" op="equ"/>
+          <dgm:constr type="h" for="des" forName="iconRect" op="equ"/>
+          <dgm:constr type="w" for="des" forName="iconRect" op="equ"/>
+          <dgm:constr type="h" for="des" forName="spaceRect" op="equ"/>
+          <dgm:constr type="h" for="des" forName="parTx" op="equ"/>
+          <dgm:constr type="h" for="des" forName="desTx" op="equ"/>
+        </dgm:constrLst>
+      </dgm:if>
+      <dgm:if name="Name5" axis="ch" ptType="node" func="cnt" op="lte" val="4">
+        <dgm:constrLst>
+          <dgm:constr type="h" for="ch" forName="compNode" refType="h" fact="0.3"/>
+          <dgm:constr type="w" for="ch" forName="compNode" refType="w"/>
+          <dgm:constr type="h" for="ch" forName="sibTrans" refType="h" refFor="ch" refForName="compNode" fact="0.25"/>
+          <dgm:constr type="primFontSz" for="des" forName="parTx" val="22"/>
+          <dgm:constr type="primFontSz" for="des" forName="desTx" refType="primFontSz" refFor="des" refForName="parTx" op="lte" fact="0.75"/>
+          <dgm:constr type="h" for="des" forName="compNode" op="equ"/>
+          <dgm:constr type="h" for="des" forName="bgRect" op="equ"/>
+          <dgm:constr type="h" for="des" forName="iconRect" op="equ"/>
+          <dgm:constr type="w" for="des" forName="iconRect" op="equ"/>
+          <dgm:constr type="h" for="des" forName="spaceRect" op="equ"/>
+          <dgm:constr type="h" for="des" forName="parTx" op="equ"/>
+          <dgm:constr type="h" for="des" forName="desTx" op="equ"/>
+        </dgm:constrLst>
+      </dgm:if>
+      <dgm:if name="Name6" axis="ch" ptType="node" func="cnt" op="lte" val="6">
+        <dgm:constrLst>
+          <dgm:constr type="h" for="ch" forName="compNode" refType="h" fact="0.3"/>
+          <dgm:constr type="w" for="ch" forName="compNode" refType="w"/>
+          <dgm:constr type="h" for="ch" forName="sibTrans" refType="h" refFor="ch" refForName="compNode" fact="0.25"/>
+          <dgm:constr type="primFontSz" for="des" forName="parTx" val="19"/>
+          <dgm:constr type="primFontSz" for="des" forName="desTx" refType="primFontSz" refFor="des" refForName="parTx" op="lte" fact="0.75"/>
+          <dgm:constr type="h" for="des" forName="compNode" op="equ"/>
+          <dgm:constr type="h" for="des" forName="bgRect" op="equ"/>
+          <dgm:constr type="h" for="des" forName="iconRect" op="equ"/>
+          <dgm:constr type="w" for="des" forName="iconRect" op="equ"/>
+          <dgm:constr type="h" for="des" forName="spaceRect" op="equ"/>
+          <dgm:constr type="h" for="des" forName="parTx" op="equ"/>
+          <dgm:constr type="h" for="des" forName="desTx" op="equ"/>
+        </dgm:constrLst>
+      </dgm:if>
+      <dgm:else name="Name7">
+        <dgm:constrLst>
+          <dgm:constr type="h" for="ch" forName="compNode" refType="h" fact="0.3"/>
+          <dgm:constr type="w" for="ch" forName="compNode" refType="w"/>
+          <dgm:constr type="h" for="ch" forName="sibTrans" refType="h" refFor="ch" refForName="compNode" fact="0.25"/>
+          <dgm:constr type="primFontSz" for="des" forName="parTx" val="16"/>
+          <dgm:constr type="primFontSz" for="des" forName="desTx" refType="primFontSz" refFor="des" refForName="parTx" op="lte" fact="0.75"/>
+          <dgm:constr type="h" for="des" forName="compNode" op="equ"/>
+          <dgm:constr type="h" for="des" forName="bgRect" op="equ"/>
+          <dgm:constr type="h" for="des" forName="iconRect" op="equ"/>
+          <dgm:constr type="w" for="des" forName="iconRect" op="equ"/>
+          <dgm:constr type="h" for="des" forName="spaceRect" op="equ"/>
+          <dgm:constr type="h" for="des" forName="parTx" op="equ"/>
+          <dgm:constr type="h" for="des" forName="desTx" op="equ"/>
+        </dgm:constrLst>
+      </dgm:else>
+    </dgm:choose>
+    <dgm:ruleLst>
+      <dgm:rule type="h" for="ch" forName="compNode" val="0" fact="NaN" max="NaN"/>
+    </dgm:ruleLst>
+    <dgm:forEach name="Name8" axis="ch" ptType="node">
+      <dgm:layoutNode name="compNode">
+        <dgm:alg type="composite"/>
+        <dgm:shape xmlns:r="http://schemas.openxmlformats.org/officeDocument/2006/relationships" r:blip="">
+          <dgm:adjLst/>
+        </dgm:shape>
+        <dgm:presOf axis="self"/>
+        <dgm:choose name="Name9">
+          <dgm:if name="Name10" axis="ch" ptType="node" func="cnt" op="gte" val="1">
+            <dgm:constrLst>
+              <dgm:constr type="w" for="ch" forName="bgRect" refType="w"/>
+              <dgm:constr type="h" for="ch" forName="bgRect" refType="h"/>
+              <dgm:constr type="l" for="ch" forName="bgRect"/>
+              <dgm:constr type="t" for="ch" forName="bgRect"/>
+              <dgm:constr type="h" for="ch" forName="iconRect" refType="h" fact="0.55"/>
+              <dgm:constr type="w" for="ch" forName="iconRect" refType="h" refFor="ch" refForName="iconRect"/>
+              <dgm:constr type="l" for="ch" forName="iconRect" refType="h" refFor="ch" refForName="iconRect" fact="0.55"/>
+              <dgm:constr type="ctrY" for="ch" forName="iconRect" refType="ctrY" refFor="ch" refForName="bgRect"/>
+              <dgm:constr type="w" for="ch" forName="spaceRect" refType="l" refFor="ch" refForName="iconRect"/>
+              <dgm:constr type="h" for="ch" forName="spaceRect" refType="h"/>
+              <dgm:constr type="l" for="ch" forName="spaceRect" refType="r" refFor="ch" refForName="iconRect"/>
+              <dgm:constr type="t" for="ch" forName="spaceRect"/>
+              <dgm:constr type="w" for="ch" forName="parTx" refType="w" fact="0.45"/>
+              <dgm:constr type="h" for="ch" forName="parTx" refType="h"/>
+              <dgm:constr type="l" for="ch" forName="parTx" refType="r" refFor="ch" refForName="spaceRect"/>
+              <dgm:constr type="t" for="ch" forName="parTx"/>
+              <dgm:constr type="h" for="ch" forName="desTx" refType="h"/>
+              <dgm:constr type="l" for="ch" forName="desTx" refType="r" refFor="ch" refForName="parTx"/>
+              <dgm:constr type="t" for="ch" forName="desTx"/>
+            </dgm:constrLst>
+          </dgm:if>
+          <dgm:else name="Name11">
+            <dgm:constrLst>
+              <dgm:constr type="w" for="ch" forName="bgRect" refType="w"/>
+              <dgm:constr type="h" for="ch" forName="bgRect" refType="h"/>
+              <dgm:constr type="l" for="ch" forName="bgRect"/>
+              <dgm:constr type="t" for="ch" forName="bgRect"/>
+              <dgm:constr type="h" for="ch" forName="iconRect" refType="h" fact="0.55"/>
+              <dgm:constr type="w" for="ch" forName="iconRect" refType="h" refFor="ch" refForName="iconRect"/>
+              <dgm:constr type="l" for="ch" forName="iconRect" refType="h" refFor="ch" refForName="iconRect" fact="0.55"/>
+              <dgm:constr type="ctrY" for="ch" forName="iconRect" refType="ctrY" refFor="ch" refForName="bgRect"/>
+              <dgm:constr type="w" for="ch" forName="spaceRect" refType="l" refFor="ch" refForName="iconRect"/>
+              <dgm:constr type="h" for="ch" forName="spaceRect" refType="h"/>
+              <dgm:constr type="l" for="ch" forName="spaceRect" refType="r" refFor="ch" refForName="iconRect"/>
+              <dgm:constr type="t" for="ch" forName="spaceRect"/>
+              <dgm:constr type="h" for="ch" forName="parTx" refType="h"/>
+              <dgm:constr type="l" for="ch" forName="parTx" refType="r" refFor="ch" refForName="spaceRect"/>
+              <dgm:constr type="t" for="ch" forName="parTx"/>
+            </dgm:constrLst>
+          </dgm:else>
+        </dgm:choose>
+        <dgm:ruleLst>
+          <dgm:rule type="h" val="INF" fact="NaN" max="NaN"/>
+        </dgm:ruleLst>
+        <dgm:layoutNode name="bgRect" styleLbl="bgShp">
+          <dgm:alg type="sp"/>
+          <dgm:shape xmlns:r="http://schemas.openxmlformats.org/officeDocument/2006/relationships" type="roundRect" r:blip="">
+            <dgm:adjLst>
+              <dgm:adj idx="1" val="0.1"/>
+            </dgm:adjLst>
+          </dgm:shape>
+          <dgm:presOf/>
+          <dgm:constrLst/>
+          <dgm:ruleLst/>
+        </dgm:layoutNode>
+        <dgm:layoutNode name="iconRect" styleLbl="node1">
+          <dgm:alg type="sp"/>
+          <dgm:shape xmlns:r="http://schemas.openxmlformats.org/officeDocument/2006/relationships" type="rect" r:blip="" blipPhldr="1">
+            <dgm:adjLst/>
+          </dgm:shape>
+          <dgm:presOf/>
+          <dgm:constrLst/>
+          <dgm:ruleLst/>
+        </dgm:layoutNode>
+        <dgm:layoutNode name="spaceRect">
+          <dgm:alg type="sp"/>
+          <dgm:shape xmlns:r="http://schemas.openxmlformats.org/officeDocument/2006/relationships" r:blip="">
+            <dgm:adjLst/>
+          </dgm:shape>
+          <dgm:presOf/>
+          <dgm:constrLst/>
+          <dgm:ruleLst/>
+        </dgm:layoutNode>
+        <dgm:layoutNode name="parTx" styleLbl="revTx">
+          <dgm:varLst>
+            <dgm:chMax val="0"/>
+            <dgm:chPref val="0"/>
+          </dgm:varLst>
+          <dgm:alg type="tx">
+            <dgm:param type="txAnchorVert" val="mid"/>
+            <dgm:param type="parTxLTRAlign" val="l"/>
+            <dgm:param type="shpTxLTRAlignCh" val="l"/>
+            <dgm:param type="parTxRTLAlign" val="r"/>
+            <dgm:param type="shpTxRTLAlignCh" val="r"/>
+          </dgm:alg>
+          <dgm:shape xmlns:r="http://schemas.openxmlformats.org/officeDocument/2006/relationships" type="rect" r:blip="">
+            <dgm:adjLst/>
+          </dgm:shape>
+          <dgm:presOf axis="self" ptType="node"/>
+          <dgm:constrLst>
+            <dgm:constr type="lMarg" refType="h" fact="0.3"/>
+            <dgm:constr type="rMarg" refType="h" fact="0.3"/>
+            <dgm:constr type="tMarg" refType="h" fact="0.3"/>
+            <dgm:constr type="bMarg" refType="h" fact="0.3"/>
+          </dgm:constrLst>
+          <dgm:ruleLst>
+            <dgm:rule type="primFontSz" val="14" fact="NaN" max="NaN"/>
+            <dgm:rule type="h" val="INF" fact="NaN" max="NaN"/>
+          </dgm:ruleLst>
+        </dgm:layoutNode>
+        <dgm:choose name="Name12">
+          <dgm:if name="Name13" axis="ch" ptType="node" func="cnt" op="gte" val="1">
+            <dgm:layoutNode name="desTx" styleLbl="revTx">
+              <dgm:varLst/>
+              <dgm:alg type="tx">
+                <dgm:param type="txAnchorVertCh" val="mid"/>
+                <dgm:param type="parTxLTRAlign" val="l"/>
+                <dgm:param type="shpTxLTRAlignCh" val="l"/>
+                <dgm:param type="parTxRTLAlign" val="r"/>
+                <dgm:param type="shpTxRTLAlignCh" val="r"/>
+                <dgm:param type="stBulletLvl" val="0"/>
+              </dgm:alg>
+              <dgm:shape xmlns:r="http://schemas.openxmlformats.org/officeDocument/2006/relationships" type="rect" r:blip="">
+                <dgm:adjLst/>
+              </dgm:shape>
+              <dgm:presOf axis="des" ptType="node"/>
+              <dgm:constrLst>
+                <dgm:constr type="primFontSz" val="18"/>
+                <dgm:constr type="secFontSz" refType="primFontSz"/>
+                <dgm:constr type="lMarg" refType="h" fact="0.3"/>
+                <dgm:constr type="rMarg" refType="h" fact="0.3"/>
+                <dgm:constr type="tMarg" refType="h" fact="0.3"/>
+                <dgm:constr type="bMarg" refType="h" fact="0.3"/>
+              </dgm:constrLst>
+              <dgm:ruleLst>
+                <dgm:rule type="primFontSz" val="11" fact="NaN" max="NaN"/>
+              </dgm:ruleLst>
+            </dgm:layoutNode>
+          </dgm:if>
+          <dgm:else name="Name14"/>
+        </dgm:choose>
+      </dgm:layoutNode>
+      <dgm:forEach name="Name15" axis="followSib" ptType="sibTrans" cnt="1">
+        <dgm:layoutNode name="sibTrans">
+          <dgm:alg type="sp"/>
+          <dgm:shape xmlns:r="http://schemas.openxmlformats.org/officeDocument/2006/relationships" r:blip="">
+            <dgm:adjLst/>
+          </dgm:shape>
+          <dgm:presOf axis="self"/>
+          <dgm:constrLst/>
+          <dgm:ruleLst/>
+        </dgm:layoutNode>
+      </dgm:forEach>
+    </dgm:forEach>
+  </dgm:layoutNode>
+  <dgm:extLst>
+    <a:ext uri="{68A01E43-0DF5-4B5B-8FA6-DAF915123BFB}">
+      <dgm1612:lstStyle xmlns:dgm1612="http://schemas.microsoft.com/office/drawing/2016/12/diagram">
+        <a:lvl1pPr>
+          <a:lnSpc>
+            <a:spcPct val="100000"/>
+          </a:lnSpc>
+        </a:lvl1pPr>
+        <a:lvl2pPr>
+          <a:lnSpc>
+            <a:spcPct val="100000"/>
+          </a:lnSpc>
+        </a:lvl2pPr>
+      </dgm1612:lstStyle>
+    </a:ext>
+  </dgm:extLst>
+</dgm:layoutDef>
+</file>
+
+<file path=ppt/diagrams/layout4.xml><?xml version="1.0" encoding="utf-8"?>
 <dgm:layoutDef xmlns:dgm="http://schemas.openxmlformats.org/drawingml/2006/diagram" xmlns:a="http://schemas.openxmlformats.org/drawingml/2006/main" uniqueId="urn:microsoft.com/office/officeart/2018/2/layout/IconCircleList">
   <dgm:title val="Icon Circle List"/>
   <dgm:desc val="Use to show non-sequential or grouped chunks of information accompanied by related visuals. Circular shapes can hold an icon or small picture and corresponding text box shows Level 1 text. Works best for icons or small pictures with medium-length descriptions."/>
@@ -10242,6 +12768,1040 @@
 </dgm:styleDef>
 </file>
 
+<file path=ppt/diagrams/quickStyle4.xml><?xml version="1.0" encoding="utf-8"?>
+<dgm:styleDef xmlns:dgm="http://schemas.openxmlformats.org/drawingml/2006/diagram" xmlns:a="http://schemas.openxmlformats.org/drawingml/2006/main" uniqueId="urn:microsoft.com/office/officeart/2005/8/quickstyle/simple1">
+  <dgm:title val=""/>
+  <dgm:desc val=""/>
+  <dgm:catLst>
+    <dgm:cat type="simple" pri="10100"/>
+  </dgm:catLst>
+  <dgm:scene3d>
+    <a:camera prst="orthographicFront"/>
+    <a:lightRig rig="threePt" dir="t"/>
+  </dgm:scene3d>
+  <dgm:styleLbl name="node0">
+    <dgm:scene3d>
+      <a:camera prst="orthographicFront"/>
+      <a:lightRig rig="threePt" dir="t"/>
+    </dgm:scene3d>
+    <dgm:sp3d/>
+    <dgm:txPr/>
+    <dgm:style>
+      <a:lnRef idx="2">
+        <a:scrgbClr r="0" g="0" b="0"/>
+      </a:lnRef>
+      <a:fillRef idx="1">
+        <a:scrgbClr r="0" g="0" b="0"/>
+      </a:fillRef>
+      <a:effectRef idx="0">
+        <a:scrgbClr r="0" g="0" b="0"/>
+      </a:effectRef>
+      <a:fontRef idx="minor">
+        <a:schemeClr val="lt1"/>
+      </a:fontRef>
+    </dgm:style>
+  </dgm:styleLbl>
+  <dgm:styleLbl name="lnNode1">
+    <dgm:scene3d>
+      <a:camera prst="orthographicFront"/>
+      <a:lightRig rig="threePt" dir="t"/>
+    </dgm:scene3d>
+    <dgm:sp3d/>
+    <dgm:txPr/>
+    <dgm:style>
+      <a:lnRef idx="2">
+        <a:scrgbClr r="0" g="0" b="0"/>
+      </a:lnRef>
+      <a:fillRef idx="1">
+        <a:scrgbClr r="0" g="0" b="0"/>
+      </a:fillRef>
+      <a:effectRef idx="0">
+        <a:scrgbClr r="0" g="0" b="0"/>
+      </a:effectRef>
+      <a:fontRef idx="minor">
+        <a:schemeClr val="lt1"/>
+      </a:fontRef>
+    </dgm:style>
+  </dgm:styleLbl>
+  <dgm:styleLbl name="vennNode1">
+    <dgm:scene3d>
+      <a:camera prst="orthographicFront"/>
+      <a:lightRig rig="threePt" dir="t"/>
+    </dgm:scene3d>
+    <dgm:sp3d/>
+    <dgm:txPr/>
+    <dgm:style>
+      <a:lnRef idx="2">
+        <a:scrgbClr r="0" g="0" b="0"/>
+      </a:lnRef>
+      <a:fillRef idx="1">
+        <a:scrgbClr r="0" g="0" b="0"/>
+      </a:fillRef>
+      <a:effectRef idx="0">
+        <a:scrgbClr r="0" g="0" b="0"/>
+      </a:effectRef>
+      <a:fontRef idx="minor">
+        <a:schemeClr val="tx1"/>
+      </a:fontRef>
+    </dgm:style>
+  </dgm:styleLbl>
+  <dgm:styleLbl name="alignNode1">
+    <dgm:scene3d>
+      <a:camera prst="orthographicFront"/>
+      <a:lightRig rig="threePt" dir="t"/>
+    </dgm:scene3d>
+    <dgm:sp3d/>
+    <dgm:txPr/>
+    <dgm:style>
+      <a:lnRef idx="2">
+        <a:scrgbClr r="0" g="0" b="0"/>
+      </a:lnRef>
+      <a:fillRef idx="1">
+        <a:scrgbClr r="0" g="0" b="0"/>
+      </a:fillRef>
+      <a:effectRef idx="0">
+        <a:scrgbClr r="0" g="0" b="0"/>
+      </a:effectRef>
+      <a:fontRef idx="minor">
+        <a:schemeClr val="lt1"/>
+      </a:fontRef>
+    </dgm:style>
+  </dgm:styleLbl>
+  <dgm:styleLbl name="node1">
+    <dgm:scene3d>
+      <a:camera prst="orthographicFront"/>
+      <a:lightRig rig="threePt" dir="t"/>
+    </dgm:scene3d>
+    <dgm:sp3d/>
+    <dgm:txPr/>
+    <dgm:style>
+      <a:lnRef idx="2">
+        <a:scrgbClr r="0" g="0" b="0"/>
+      </a:lnRef>
+      <a:fillRef idx="1">
+        <a:scrgbClr r="0" g="0" b="0"/>
+      </a:fillRef>
+      <a:effectRef idx="0">
+        <a:scrgbClr r="0" g="0" b="0"/>
+      </a:effectRef>
+      <a:fontRef idx="minor">
+        <a:schemeClr val="lt1"/>
+      </a:fontRef>
+    </dgm:style>
+  </dgm:styleLbl>
+  <dgm:styleLbl name="node2">
+    <dgm:scene3d>
+      <a:camera prst="orthographicFront"/>
+      <a:lightRig rig="threePt" dir="t"/>
+    </dgm:scene3d>
+    <dgm:sp3d/>
+    <dgm:txPr/>
+    <dgm:style>
+      <a:lnRef idx="2">
+        <a:scrgbClr r="0" g="0" b="0"/>
+      </a:lnRef>
+      <a:fillRef idx="1">
+        <a:scrgbClr r="0" g="0" b="0"/>
+      </a:fillRef>
+      <a:effectRef idx="0">
+        <a:scrgbClr r="0" g="0" b="0"/>
+      </a:effectRef>
+      <a:fontRef idx="minor">
+        <a:schemeClr val="lt1"/>
+      </a:fontRef>
+    </dgm:style>
+  </dgm:styleLbl>
+  <dgm:styleLbl name="node3">
+    <dgm:scene3d>
+      <a:camera prst="orthographicFront"/>
+      <a:lightRig rig="threePt" dir="t"/>
+    </dgm:scene3d>
+    <dgm:sp3d/>
+    <dgm:txPr/>
+    <dgm:style>
+      <a:lnRef idx="2">
+        <a:scrgbClr r="0" g="0" b="0"/>
+      </a:lnRef>
+      <a:fillRef idx="1">
+        <a:scrgbClr r="0" g="0" b="0"/>
+      </a:fillRef>
+      <a:effectRef idx="0">
+        <a:scrgbClr r="0" g="0" b="0"/>
+      </a:effectRef>
+      <a:fontRef idx="minor">
+        <a:schemeClr val="lt1"/>
+      </a:fontRef>
+    </dgm:style>
+  </dgm:styleLbl>
+  <dgm:styleLbl name="node4">
+    <dgm:scene3d>
+      <a:camera prst="orthographicFront"/>
+      <a:lightRig rig="threePt" dir="t"/>
+    </dgm:scene3d>
+    <dgm:sp3d/>
+    <dgm:txPr/>
+    <dgm:style>
+      <a:lnRef idx="2">
+        <a:scrgbClr r="0" g="0" b="0"/>
+      </a:lnRef>
+      <a:fillRef idx="1">
+        <a:scrgbClr r="0" g="0" b="0"/>
+      </a:fillRef>
+      <a:effectRef idx="0">
+        <a:scrgbClr r="0" g="0" b="0"/>
+      </a:effectRef>
+      <a:fontRef idx="minor">
+        <a:schemeClr val="lt1"/>
+      </a:fontRef>
+    </dgm:style>
+  </dgm:styleLbl>
+  <dgm:styleLbl name="fgImgPlace1">
+    <dgm:scene3d>
+      <a:camera prst="orthographicFront"/>
+      <a:lightRig rig="threePt" dir="t"/>
+    </dgm:scene3d>
+    <dgm:sp3d/>
+    <dgm:txPr/>
+    <dgm:style>
+      <a:lnRef idx="2">
+        <a:scrgbClr r="0" g="0" b="0"/>
+      </a:lnRef>
+      <a:fillRef idx="1">
+        <a:scrgbClr r="0" g="0" b="0"/>
+      </a:fillRef>
+      <a:effectRef idx="0">
+        <a:scrgbClr r="0" g="0" b="0"/>
+      </a:effectRef>
+      <a:fontRef idx="minor"/>
+    </dgm:style>
+  </dgm:styleLbl>
+  <dgm:styleLbl name="alignImgPlace1">
+    <dgm:scene3d>
+      <a:camera prst="orthographicFront"/>
+      <a:lightRig rig="threePt" dir="t"/>
+    </dgm:scene3d>
+    <dgm:sp3d/>
+    <dgm:txPr/>
+    <dgm:style>
+      <a:lnRef idx="2">
+        <a:scrgbClr r="0" g="0" b="0"/>
+      </a:lnRef>
+      <a:fillRef idx="1">
+        <a:scrgbClr r="0" g="0" b="0"/>
+      </a:fillRef>
+      <a:effectRef idx="0">
+        <a:scrgbClr r="0" g="0" b="0"/>
+      </a:effectRef>
+      <a:fontRef idx="minor"/>
+    </dgm:style>
+  </dgm:styleLbl>
+  <dgm:styleLbl name="bgImgPlace1">
+    <dgm:scene3d>
+      <a:camera prst="orthographicFront"/>
+      <a:lightRig rig="threePt" dir="t"/>
+    </dgm:scene3d>
+    <dgm:sp3d/>
+    <dgm:txPr/>
+    <dgm:style>
+      <a:lnRef idx="2">
+        <a:scrgbClr r="0" g="0" b="0"/>
+      </a:lnRef>
+      <a:fillRef idx="1">
+        <a:scrgbClr r="0" g="0" b="0"/>
+      </a:fillRef>
+      <a:effectRef idx="0">
+        <a:scrgbClr r="0" g="0" b="0"/>
+      </a:effectRef>
+      <a:fontRef idx="minor"/>
+    </dgm:style>
+  </dgm:styleLbl>
+  <dgm:styleLbl name="sibTrans2D1">
+    <dgm:scene3d>
+      <a:camera prst="orthographicFront"/>
+      <a:lightRig rig="threePt" dir="t"/>
+    </dgm:scene3d>
+    <dgm:sp3d/>
+    <dgm:txPr/>
+    <dgm:style>
+      <a:lnRef idx="0">
+        <a:scrgbClr r="0" g="0" b="0"/>
+      </a:lnRef>
+      <a:fillRef idx="1">
+        <a:scrgbClr r="0" g="0" b="0"/>
+      </a:fillRef>
+      <a:effectRef idx="0">
+        <a:scrgbClr r="0" g="0" b="0"/>
+      </a:effectRef>
+      <a:fontRef idx="minor">
+        <a:schemeClr val="lt1"/>
+      </a:fontRef>
+    </dgm:style>
+  </dgm:styleLbl>
+  <dgm:styleLbl name="fgSibTrans2D1">
+    <dgm:scene3d>
+      <a:camera prst="orthographicFront"/>
+      <a:lightRig rig="threePt" dir="t"/>
+    </dgm:scene3d>
+    <dgm:sp3d/>
+    <dgm:txPr/>
+    <dgm:style>
+      <a:lnRef idx="0">
+        <a:scrgbClr r="0" g="0" b="0"/>
+      </a:lnRef>
+      <a:fillRef idx="1">
+        <a:scrgbClr r="0" g="0" b="0"/>
+      </a:fillRef>
+      <a:effectRef idx="0">
+        <a:scrgbClr r="0" g="0" b="0"/>
+      </a:effectRef>
+      <a:fontRef idx="minor">
+        <a:schemeClr val="lt1"/>
+      </a:fontRef>
+    </dgm:style>
+  </dgm:styleLbl>
+  <dgm:styleLbl name="bgSibTrans2D1">
+    <dgm:scene3d>
+      <a:camera prst="orthographicFront"/>
+      <a:lightRig rig="threePt" dir="t"/>
+    </dgm:scene3d>
+    <dgm:sp3d/>
+    <dgm:txPr/>
+    <dgm:style>
+      <a:lnRef idx="0">
+        <a:scrgbClr r="0" g="0" b="0"/>
+      </a:lnRef>
+      <a:fillRef idx="1">
+        <a:scrgbClr r="0" g="0" b="0"/>
+      </a:fillRef>
+      <a:effectRef idx="0">
+        <a:scrgbClr r="0" g="0" b="0"/>
+      </a:effectRef>
+      <a:fontRef idx="minor">
+        <a:schemeClr val="lt1"/>
+      </a:fontRef>
+    </dgm:style>
+  </dgm:styleLbl>
+  <dgm:styleLbl name="sibTrans1D1">
+    <dgm:scene3d>
+      <a:camera prst="orthographicFront"/>
+      <a:lightRig rig="threePt" dir="t"/>
+    </dgm:scene3d>
+    <dgm:sp3d/>
+    <dgm:txPr/>
+    <dgm:style>
+      <a:lnRef idx="1">
+        <a:scrgbClr r="0" g="0" b="0"/>
+      </a:lnRef>
+      <a:fillRef idx="0">
+        <a:scrgbClr r="0" g="0" b="0"/>
+      </a:fillRef>
+      <a:effectRef idx="0">
+        <a:scrgbClr r="0" g="0" b="0"/>
+      </a:effectRef>
+      <a:fontRef idx="minor"/>
+    </dgm:style>
+  </dgm:styleLbl>
+  <dgm:styleLbl name="callout">
+    <dgm:scene3d>
+      <a:camera prst="orthographicFront"/>
+      <a:lightRig rig="threePt" dir="t"/>
+    </dgm:scene3d>
+    <dgm:sp3d/>
+    <dgm:txPr/>
+    <dgm:style>
+      <a:lnRef idx="2">
+        <a:scrgbClr r="0" g="0" b="0"/>
+      </a:lnRef>
+      <a:fillRef idx="1">
+        <a:scrgbClr r="0" g="0" b="0"/>
+      </a:fillRef>
+      <a:effectRef idx="0">
+        <a:scrgbClr r="0" g="0" b="0"/>
+      </a:effectRef>
+      <a:fontRef idx="minor"/>
+    </dgm:style>
+  </dgm:styleLbl>
+  <dgm:styleLbl name="asst0">
+    <dgm:scene3d>
+      <a:camera prst="orthographicFront"/>
+      <a:lightRig rig="threePt" dir="t"/>
+    </dgm:scene3d>
+    <dgm:sp3d/>
+    <dgm:txPr/>
+    <dgm:style>
+      <a:lnRef idx="2">
+        <a:scrgbClr r="0" g="0" b="0"/>
+      </a:lnRef>
+      <a:fillRef idx="1">
+        <a:scrgbClr r="0" g="0" b="0"/>
+      </a:fillRef>
+      <a:effectRef idx="0">
+        <a:scrgbClr r="0" g="0" b="0"/>
+      </a:effectRef>
+      <a:fontRef idx="minor">
+        <a:schemeClr val="lt1"/>
+      </a:fontRef>
+    </dgm:style>
+  </dgm:styleLbl>
+  <dgm:styleLbl name="asst1">
+    <dgm:scene3d>
+      <a:camera prst="orthographicFront"/>
+      <a:lightRig rig="threePt" dir="t"/>
+    </dgm:scene3d>
+    <dgm:sp3d/>
+    <dgm:txPr/>
+    <dgm:style>
+      <a:lnRef idx="2">
+        <a:scrgbClr r="0" g="0" b="0"/>
+      </a:lnRef>
+      <a:fillRef idx="1">
+        <a:scrgbClr r="0" g="0" b="0"/>
+      </a:fillRef>
+      <a:effectRef idx="0">
+        <a:scrgbClr r="0" g="0" b="0"/>
+      </a:effectRef>
+      <a:fontRef idx="minor">
+        <a:schemeClr val="lt1"/>
+      </a:fontRef>
+    </dgm:style>
+  </dgm:styleLbl>
+  <dgm:styleLbl name="asst2">
+    <dgm:scene3d>
+      <a:camera prst="orthographicFront"/>
+      <a:lightRig rig="threePt" dir="t"/>
+    </dgm:scene3d>
+    <dgm:sp3d/>
+    <dgm:txPr/>
+    <dgm:style>
+      <a:lnRef idx="2">
+        <a:scrgbClr r="0" g="0" b="0"/>
+      </a:lnRef>
+      <a:fillRef idx="1">
+        <a:scrgbClr r="0" g="0" b="0"/>
+      </a:fillRef>
+      <a:effectRef idx="0">
+        <a:scrgbClr r="0" g="0" b="0"/>
+      </a:effectRef>
+      <a:fontRef idx="minor">
+        <a:schemeClr val="lt1"/>
+      </a:fontRef>
+    </dgm:style>
+  </dgm:styleLbl>
+  <dgm:styleLbl name="asst3">
+    <dgm:scene3d>
+      <a:camera prst="orthographicFront"/>
+      <a:lightRig rig="threePt" dir="t"/>
+    </dgm:scene3d>
+    <dgm:sp3d/>
+    <dgm:txPr/>
+    <dgm:style>
+      <a:lnRef idx="2">
+        <a:scrgbClr r="0" g="0" b="0"/>
+      </a:lnRef>
+      <a:fillRef idx="1">
+        <a:scrgbClr r="0" g="0" b="0"/>
+      </a:fillRef>
+      <a:effectRef idx="0">
+        <a:scrgbClr r="0" g="0" b="0"/>
+      </a:effectRef>
+      <a:fontRef idx="minor">
+        <a:schemeClr val="lt1"/>
+      </a:fontRef>
+    </dgm:style>
+  </dgm:styleLbl>
+  <dgm:styleLbl name="asst4">
+    <dgm:scene3d>
+      <a:camera prst="orthographicFront"/>
+      <a:lightRig rig="threePt" dir="t"/>
+    </dgm:scene3d>
+    <dgm:sp3d/>
+    <dgm:txPr/>
+    <dgm:style>
+      <a:lnRef idx="2">
+        <a:scrgbClr r="0" g="0" b="0"/>
+      </a:lnRef>
+      <a:fillRef idx="1">
+        <a:scrgbClr r="0" g="0" b="0"/>
+      </a:fillRef>
+      <a:effectRef idx="0">
+        <a:scrgbClr r="0" g="0" b="0"/>
+      </a:effectRef>
+      <a:fontRef idx="minor">
+        <a:schemeClr val="lt1"/>
+      </a:fontRef>
+    </dgm:style>
+  </dgm:styleLbl>
+  <dgm:styleLbl name="parChTrans2D1">
+    <dgm:scene3d>
+      <a:camera prst="orthographicFront"/>
+      <a:lightRig rig="threePt" dir="t"/>
+    </dgm:scene3d>
+    <dgm:sp3d/>
+    <dgm:txPr/>
+    <dgm:style>
+      <a:lnRef idx="2">
+        <a:scrgbClr r="0" g="0" b="0"/>
+      </a:lnRef>
+      <a:fillRef idx="1">
+        <a:scrgbClr r="0" g="0" b="0"/>
+      </a:fillRef>
+      <a:effectRef idx="0">
+        <a:scrgbClr r="0" g="0" b="0"/>
+      </a:effectRef>
+      <a:fontRef idx="minor">
+        <a:schemeClr val="lt1"/>
+      </a:fontRef>
+    </dgm:style>
+  </dgm:styleLbl>
+  <dgm:styleLbl name="parChTrans2D2">
+    <dgm:scene3d>
+      <a:camera prst="orthographicFront"/>
+      <a:lightRig rig="threePt" dir="t"/>
+    </dgm:scene3d>
+    <dgm:sp3d/>
+    <dgm:txPr/>
+    <dgm:style>
+      <a:lnRef idx="2">
+        <a:scrgbClr r="0" g="0" b="0"/>
+      </a:lnRef>
+      <a:fillRef idx="1">
+        <a:scrgbClr r="0" g="0" b="0"/>
+      </a:fillRef>
+      <a:effectRef idx="0">
+        <a:scrgbClr r="0" g="0" b="0"/>
+      </a:effectRef>
+      <a:fontRef idx="minor">
+        <a:schemeClr val="lt1"/>
+      </a:fontRef>
+    </dgm:style>
+  </dgm:styleLbl>
+  <dgm:styleLbl name="parChTrans2D3">
+    <dgm:scene3d>
+      <a:camera prst="orthographicFront"/>
+      <a:lightRig rig="threePt" dir="t"/>
+    </dgm:scene3d>
+    <dgm:sp3d/>
+    <dgm:txPr/>
+    <dgm:style>
+      <a:lnRef idx="2">
+        <a:scrgbClr r="0" g="0" b="0"/>
+      </a:lnRef>
+      <a:fillRef idx="1">
+        <a:scrgbClr r="0" g="0" b="0"/>
+      </a:fillRef>
+      <a:effectRef idx="0">
+        <a:scrgbClr r="0" g="0" b="0"/>
+      </a:effectRef>
+      <a:fontRef idx="minor">
+        <a:schemeClr val="lt1"/>
+      </a:fontRef>
+    </dgm:style>
+  </dgm:styleLbl>
+  <dgm:styleLbl name="parChTrans2D4">
+    <dgm:scene3d>
+      <a:camera prst="orthographicFront"/>
+      <a:lightRig rig="threePt" dir="t"/>
+    </dgm:scene3d>
+    <dgm:sp3d/>
+    <dgm:txPr/>
+    <dgm:style>
+      <a:lnRef idx="2">
+        <a:scrgbClr r="0" g="0" b="0"/>
+      </a:lnRef>
+      <a:fillRef idx="1">
+        <a:scrgbClr r="0" g="0" b="0"/>
+      </a:fillRef>
+      <a:effectRef idx="0">
+        <a:scrgbClr r="0" g="0" b="0"/>
+      </a:effectRef>
+      <a:fontRef idx="minor">
+        <a:schemeClr val="lt1"/>
+      </a:fontRef>
+    </dgm:style>
+  </dgm:styleLbl>
+  <dgm:styleLbl name="parChTrans1D1">
+    <dgm:scene3d>
+      <a:camera prst="orthographicFront"/>
+      <a:lightRig rig="threePt" dir="t"/>
+    </dgm:scene3d>
+    <dgm:sp3d/>
+    <dgm:txPr/>
+    <dgm:style>
+      <a:lnRef idx="2">
+        <a:scrgbClr r="0" g="0" b="0"/>
+      </a:lnRef>
+      <a:fillRef idx="0">
+        <a:scrgbClr r="0" g="0" b="0"/>
+      </a:fillRef>
+      <a:effectRef idx="0">
+        <a:scrgbClr r="0" g="0" b="0"/>
+      </a:effectRef>
+      <a:fontRef idx="minor"/>
+    </dgm:style>
+  </dgm:styleLbl>
+  <dgm:styleLbl name="parChTrans1D2">
+    <dgm:scene3d>
+      <a:camera prst="orthographicFront"/>
+      <a:lightRig rig="threePt" dir="t"/>
+    </dgm:scene3d>
+    <dgm:sp3d/>
+    <dgm:txPr/>
+    <dgm:style>
+      <a:lnRef idx="2">
+        <a:scrgbClr r="0" g="0" b="0"/>
+      </a:lnRef>
+      <a:fillRef idx="0">
+        <a:scrgbClr r="0" g="0" b="0"/>
+      </a:fillRef>
+      <a:effectRef idx="0">
+        <a:scrgbClr r="0" g="0" b="0"/>
+      </a:effectRef>
+      <a:fontRef idx="minor"/>
+    </dgm:style>
+  </dgm:styleLbl>
+  <dgm:styleLbl name="parChTrans1D3">
+    <dgm:scene3d>
+      <a:camera prst="orthographicFront"/>
+      <a:lightRig rig="threePt" dir="t"/>
+    </dgm:scene3d>
+    <dgm:sp3d/>
+    <dgm:txPr/>
+    <dgm:style>
+      <a:lnRef idx="2">
+        <a:scrgbClr r="0" g="0" b="0"/>
+      </a:lnRef>
+      <a:fillRef idx="0">
+        <a:scrgbClr r="0" g="0" b="0"/>
+      </a:fillRef>
+      <a:effectRef idx="0">
+        <a:scrgbClr r="0" g="0" b="0"/>
+      </a:effectRef>
+      <a:fontRef idx="minor"/>
+    </dgm:style>
+  </dgm:styleLbl>
+  <dgm:styleLbl name="parChTrans1D4">
+    <dgm:scene3d>
+      <a:camera prst="orthographicFront"/>
+      <a:lightRig rig="threePt" dir="t"/>
+    </dgm:scene3d>
+    <dgm:sp3d/>
+    <dgm:txPr/>
+    <dgm:style>
+      <a:lnRef idx="2">
+        <a:scrgbClr r="0" g="0" b="0"/>
+      </a:lnRef>
+      <a:fillRef idx="0">
+        <a:scrgbClr r="0" g="0" b="0"/>
+      </a:fillRef>
+      <a:effectRef idx="0">
+        <a:scrgbClr r="0" g="0" b="0"/>
+      </a:effectRef>
+      <a:fontRef idx="minor"/>
+    </dgm:style>
+  </dgm:styleLbl>
+  <dgm:styleLbl name="fgAcc1">
+    <dgm:scene3d>
+      <a:camera prst="orthographicFront"/>
+      <a:lightRig rig="threePt" dir="t"/>
+    </dgm:scene3d>
+    <dgm:sp3d/>
+    <dgm:txPr/>
+    <dgm:style>
+      <a:lnRef idx="2">
+        <a:scrgbClr r="0" g="0" b="0"/>
+      </a:lnRef>
+      <a:fillRef idx="1">
+        <a:scrgbClr r="0" g="0" b="0"/>
+      </a:fillRef>
+      <a:effectRef idx="0">
+        <a:scrgbClr r="0" g="0" b="0"/>
+      </a:effectRef>
+      <a:fontRef idx="minor"/>
+    </dgm:style>
+  </dgm:styleLbl>
+  <dgm:styleLbl name="conFgAcc1">
+    <dgm:scene3d>
+      <a:camera prst="orthographicFront"/>
+      <a:lightRig rig="threePt" dir="t"/>
+    </dgm:scene3d>
+    <dgm:sp3d/>
+    <dgm:txPr/>
+    <dgm:style>
+      <a:lnRef idx="2">
+        <a:scrgbClr r="0" g="0" b="0"/>
+      </a:lnRef>
+      <a:fillRef idx="1">
+        <a:scrgbClr r="0" g="0" b="0"/>
+      </a:fillRef>
+      <a:effectRef idx="0">
+        <a:scrgbClr r="0" g="0" b="0"/>
+      </a:effectRef>
+      <a:fontRef idx="minor"/>
+    </dgm:style>
+  </dgm:styleLbl>
+  <dgm:styleLbl name="alignAcc1">
+    <dgm:scene3d>
+      <a:camera prst="orthographicFront"/>
+      <a:lightRig rig="threePt" dir="t"/>
+    </dgm:scene3d>
+    <dgm:sp3d/>
+    <dgm:txPr/>
+    <dgm:style>
+      <a:lnRef idx="2">
+        <a:scrgbClr r="0" g="0" b="0"/>
+      </a:lnRef>
+      <a:fillRef idx="1">
+        <a:scrgbClr r="0" g="0" b="0"/>
+      </a:fillRef>
+      <a:effectRef idx="0">
+        <a:scrgbClr r="0" g="0" b="0"/>
+      </a:effectRef>
+      <a:fontRef idx="minor"/>
+    </dgm:style>
+  </dgm:styleLbl>
+  <dgm:styleLbl name="trAlignAcc1">
+    <dgm:scene3d>
+      <a:camera prst="orthographicFront"/>
+      <a:lightRig rig="threePt" dir="t"/>
+    </dgm:scene3d>
+    <dgm:sp3d/>
+    <dgm:txPr/>
+    <dgm:style>
+      <a:lnRef idx="1">
+        <a:scrgbClr r="0" g="0" b="0"/>
+      </a:lnRef>
+      <a:fillRef idx="1">
+        <a:scrgbClr r="0" g="0" b="0"/>
+      </a:fillRef>
+      <a:effectRef idx="0">
+        <a:scrgbClr r="0" g="0" b="0"/>
+      </a:effectRef>
+      <a:fontRef idx="minor"/>
+    </dgm:style>
+  </dgm:styleLbl>
+  <dgm:styleLbl name="bgAcc1">
+    <dgm:scene3d>
+      <a:camera prst="orthographicFront"/>
+      <a:lightRig rig="threePt" dir="t"/>
+    </dgm:scene3d>
+    <dgm:sp3d/>
+    <dgm:txPr/>
+    <dgm:style>
+      <a:lnRef idx="2">
+        <a:scrgbClr r="0" g="0" b="0"/>
+      </a:lnRef>
+      <a:fillRef idx="1">
+        <a:scrgbClr r="0" g="0" b="0"/>
+      </a:fillRef>
+      <a:effectRef idx="0">
+        <a:scrgbClr r="0" g="0" b="0"/>
+      </a:effectRef>
+      <a:fontRef idx="minor"/>
+    </dgm:style>
+  </dgm:styleLbl>
+  <dgm:styleLbl name="solidFgAcc1">
+    <dgm:scene3d>
+      <a:camera prst="orthographicFront"/>
+      <a:lightRig rig="threePt" dir="t"/>
+    </dgm:scene3d>
+    <dgm:sp3d/>
+    <dgm:txPr/>
+    <dgm:style>
+      <a:lnRef idx="2">
+        <a:scrgbClr r="0" g="0" b="0"/>
+      </a:lnRef>
+      <a:fillRef idx="1">
+        <a:scrgbClr r="0" g="0" b="0"/>
+      </a:fillRef>
+      <a:effectRef idx="0">
+        <a:scrgbClr r="0" g="0" b="0"/>
+      </a:effectRef>
+      <a:fontRef idx="minor"/>
+    </dgm:style>
+  </dgm:styleLbl>
+  <dgm:styleLbl name="solidAlignAcc1">
+    <dgm:scene3d>
+      <a:camera prst="orthographicFront"/>
+      <a:lightRig rig="threePt" dir="t"/>
+    </dgm:scene3d>
+    <dgm:sp3d/>
+    <dgm:txPr/>
+    <dgm:style>
+      <a:lnRef idx="2">
+        <a:scrgbClr r="0" g="0" b="0"/>
+      </a:lnRef>
+      <a:fillRef idx="1">
+        <a:scrgbClr r="0" g="0" b="0"/>
+      </a:fillRef>
+      <a:effectRef idx="0">
+        <a:scrgbClr r="0" g="0" b="0"/>
+      </a:effectRef>
+      <a:fontRef idx="minor"/>
+    </dgm:style>
+  </dgm:styleLbl>
+  <dgm:styleLbl name="solidBgAcc1">
+    <dgm:scene3d>
+      <a:camera prst="orthographicFront"/>
+      <a:lightRig rig="threePt" dir="t"/>
+    </dgm:scene3d>
+    <dgm:sp3d/>
+    <dgm:txPr/>
+    <dgm:style>
+      <a:lnRef idx="2">
+        <a:scrgbClr r="0" g="0" b="0"/>
+      </a:lnRef>
+      <a:fillRef idx="1">
+        <a:scrgbClr r="0" g="0" b="0"/>
+      </a:fillRef>
+      <a:effectRef idx="0">
+        <a:scrgbClr r="0" g="0" b="0"/>
+      </a:effectRef>
+      <a:fontRef idx="minor"/>
+    </dgm:style>
+  </dgm:styleLbl>
+  <dgm:styleLbl name="fgAccFollowNode1">
+    <dgm:scene3d>
+      <a:camera prst="orthographicFront"/>
+      <a:lightRig rig="threePt" dir="t"/>
+    </dgm:scene3d>
+    <dgm:sp3d/>
+    <dgm:txPr/>
+    <dgm:style>
+      <a:lnRef idx="2">
+        <a:scrgbClr r="0" g="0" b="0"/>
+      </a:lnRef>
+      <a:fillRef idx="1">
+        <a:scrgbClr r="0" g="0" b="0"/>
+      </a:fillRef>
+      <a:effectRef idx="0">
+        <a:scrgbClr r="0" g="0" b="0"/>
+      </a:effectRef>
+      <a:fontRef idx="minor"/>
+    </dgm:style>
+  </dgm:styleLbl>
+  <dgm:styleLbl name="alignAccFollowNode1">
+    <dgm:scene3d>
+      <a:camera prst="orthographicFront"/>
+      <a:lightRig rig="threePt" dir="t"/>
+    </dgm:scene3d>
+    <dgm:sp3d/>
+    <dgm:txPr/>
+    <dgm:style>
+      <a:lnRef idx="2">
+        <a:scrgbClr r="0" g="0" b="0"/>
+      </a:lnRef>
+      <a:fillRef idx="1">
+        <a:scrgbClr r="0" g="0" b="0"/>
+      </a:fillRef>
+      <a:effectRef idx="0">
+        <a:scrgbClr r="0" g="0" b="0"/>
+      </a:effectRef>
+      <a:fontRef idx="minor"/>
+    </dgm:style>
+  </dgm:styleLbl>
+  <dgm:styleLbl name="bgAccFollowNode1">
+    <dgm:scene3d>
+      <a:camera prst="orthographicFront"/>
+      <a:lightRig rig="threePt" dir="t"/>
+    </dgm:scene3d>
+    <dgm:sp3d/>
+    <dgm:txPr/>
+    <dgm:style>
+      <a:lnRef idx="2">
+        <a:scrgbClr r="0" g="0" b="0"/>
+      </a:lnRef>
+      <a:fillRef idx="1">
+        <a:scrgbClr r="0" g="0" b="0"/>
+      </a:fillRef>
+      <a:effectRef idx="0">
+        <a:scrgbClr r="0" g="0" b="0"/>
+      </a:effectRef>
+      <a:fontRef idx="minor"/>
+    </dgm:style>
+  </dgm:styleLbl>
+  <dgm:styleLbl name="fgAcc0">
+    <dgm:scene3d>
+      <a:camera prst="orthographicFront"/>
+      <a:lightRig rig="threePt" dir="t"/>
+    </dgm:scene3d>
+    <dgm:sp3d/>
+    <dgm:txPr/>
+    <dgm:style>
+      <a:lnRef idx="2">
+        <a:scrgbClr r="0" g="0" b="0"/>
+      </a:lnRef>
+      <a:fillRef idx="1">
+        <a:scrgbClr r="0" g="0" b="0"/>
+      </a:fillRef>
+      <a:effectRef idx="0">
+        <a:scrgbClr r="0" g="0" b="0"/>
+      </a:effectRef>
+      <a:fontRef idx="minor"/>
+    </dgm:style>
+  </dgm:styleLbl>
+  <dgm:styleLbl name="fgAcc2">
+    <dgm:scene3d>
+      <a:camera prst="orthographicFront"/>
+      <a:lightRig rig="threePt" dir="t"/>
+    </dgm:scene3d>
+    <dgm:sp3d/>
+    <dgm:txPr/>
+    <dgm:style>
+      <a:lnRef idx="2">
+        <a:scrgbClr r="0" g="0" b="0"/>
+      </a:lnRef>
+      <a:fillRef idx="1">
+        <a:scrgbClr r="0" g="0" b="0"/>
+      </a:fillRef>
+      <a:effectRef idx="0">
+        <a:scrgbClr r="0" g="0" b="0"/>
+      </a:effectRef>
+      <a:fontRef idx="minor"/>
+    </dgm:style>
+  </dgm:styleLbl>
+  <dgm:styleLbl name="fgAcc3">
+    <dgm:scene3d>
+      <a:camera prst="orthographicFront"/>
+      <a:lightRig rig="threePt" dir="t"/>
+    </dgm:scene3d>
+    <dgm:sp3d/>
+    <dgm:txPr/>
+    <dgm:style>
+      <a:lnRef idx="2">
+        <a:scrgbClr r="0" g="0" b="0"/>
+      </a:lnRef>
+      <a:fillRef idx="1">
+        <a:scrgbClr r="0" g="0" b="0"/>
+      </a:fillRef>
+      <a:effectRef idx="0">
+        <a:scrgbClr r="0" g="0" b="0"/>
+      </a:effectRef>
+      <a:fontRef idx="minor"/>
+    </dgm:style>
+  </dgm:styleLbl>
+  <dgm:styleLbl name="fgAcc4">
+    <dgm:scene3d>
+      <a:camera prst="orthographicFront"/>
+      <a:lightRig rig="threePt" dir="t"/>
+    </dgm:scene3d>
+    <dgm:sp3d/>
+    <dgm:txPr/>
+    <dgm:style>
+      <a:lnRef idx="2">
+        <a:scrgbClr r="0" g="0" b="0"/>
+      </a:lnRef>
+      <a:fillRef idx="1">
+        <a:scrgbClr r="0" g="0" b="0"/>
+      </a:fillRef>
+      <a:effectRef idx="0">
+        <a:scrgbClr r="0" g="0" b="0"/>
+      </a:effectRef>
+      <a:fontRef idx="minor"/>
+    </dgm:style>
+  </dgm:styleLbl>
+  <dgm:styleLbl name="bgShp">
+    <dgm:scene3d>
+      <a:camera prst="orthographicFront"/>
+      <a:lightRig rig="threePt" dir="t"/>
+    </dgm:scene3d>
+    <dgm:sp3d/>
+    <dgm:txPr/>
+    <dgm:style>
+      <a:lnRef idx="0">
+        <a:scrgbClr r="0" g="0" b="0"/>
+      </a:lnRef>
+      <a:fillRef idx="1">
+        <a:scrgbClr r="0" g="0" b="0"/>
+      </a:fillRef>
+      <a:effectRef idx="0">
+        <a:scrgbClr r="0" g="0" b="0"/>
+      </a:effectRef>
+      <a:fontRef idx="minor"/>
+    </dgm:style>
+  </dgm:styleLbl>
+  <dgm:styleLbl name="dkBgShp">
+    <dgm:scene3d>
+      <a:camera prst="orthographicFront"/>
+      <a:lightRig rig="threePt" dir="t"/>
+    </dgm:scene3d>
+    <dgm:sp3d/>
+    <dgm:txPr/>
+    <dgm:style>
+      <a:lnRef idx="0">
+        <a:scrgbClr r="0" g="0" b="0"/>
+      </a:lnRef>
+      <a:fillRef idx="1">
+        <a:scrgbClr r="0" g="0" b="0"/>
+      </a:fillRef>
+      <a:effectRef idx="0">
+        <a:scrgbClr r="0" g="0" b="0"/>
+      </a:effectRef>
+      <a:fontRef idx="minor"/>
+    </dgm:style>
+  </dgm:styleLbl>
+  <dgm:styleLbl name="trBgShp">
+    <dgm:scene3d>
+      <a:camera prst="orthographicFront"/>
+      <a:lightRig rig="threePt" dir="t"/>
+    </dgm:scene3d>
+    <dgm:sp3d/>
+    <dgm:txPr/>
+    <dgm:style>
+      <a:lnRef idx="0">
+        <a:scrgbClr r="0" g="0" b="0"/>
+      </a:lnRef>
+      <a:fillRef idx="1">
+        <a:scrgbClr r="0" g="0" b="0"/>
+      </a:fillRef>
+      <a:effectRef idx="0">
+        <a:scrgbClr r="0" g="0" b="0"/>
+      </a:effectRef>
+      <a:fontRef idx="minor"/>
+    </dgm:style>
+  </dgm:styleLbl>
+  <dgm:styleLbl name="fgShp">
+    <dgm:scene3d>
+      <a:camera prst="orthographicFront"/>
+      <a:lightRig rig="threePt" dir="t"/>
+    </dgm:scene3d>
+    <dgm:sp3d/>
+    <dgm:txPr/>
+    <dgm:style>
+      <a:lnRef idx="2">
+        <a:scrgbClr r="0" g="0" b="0"/>
+      </a:lnRef>
+      <a:fillRef idx="1">
+        <a:scrgbClr r="0" g="0" b="0"/>
+      </a:fillRef>
+      <a:effectRef idx="0">
+        <a:scrgbClr r="0" g="0" b="0"/>
+      </a:effectRef>
+      <a:fontRef idx="minor"/>
+    </dgm:style>
+  </dgm:styleLbl>
+  <dgm:styleLbl name="revTx">
+    <dgm:scene3d>
+      <a:camera prst="orthographicFront"/>
+      <a:lightRig rig="threePt" dir="t"/>
+    </dgm:scene3d>
+    <dgm:sp3d/>
+    <dgm:txPr/>
+    <dgm:style>
+      <a:lnRef idx="0">
+        <a:scrgbClr r="0" g="0" b="0"/>
+      </a:lnRef>
+      <a:fillRef idx="0">
+        <a:scrgbClr r="0" g="0" b="0"/>
+      </a:fillRef>
+      <a:effectRef idx="0">
+        <a:scrgbClr r="0" g="0" b="0"/>
+      </a:effectRef>
+      <a:fontRef idx="minor"/>
+    </dgm:style>
+  </dgm:styleLbl>
+</dgm:styleDef>
+</file>
+
 <file path=ppt/slideLayouts/slideLayout1.xml><?xml version="1.0" encoding="utf-8"?>
 <p:sldLayout xmlns:a="http://schemas.openxmlformats.org/drawingml/2006/main" xmlns:r="http://schemas.openxmlformats.org/officeDocument/2006/relationships" xmlns:p="http://schemas.openxmlformats.org/presentationml/2006/main" type="title" preserve="1">
   <p:cSld name="Title Slide">
@@ -10421,7 +13981,7 @@
           <a:p>
             <a:fld id="{241EB5C9-1307-BA42-ABA2-0BC069CD8E7F}" type="datetimeFigureOut">
               <a:rPr lang="en-US" smtClean="0"/>
-              <a:t>5/18/2025</a:t>
+              <a:t>5/24/2025</a:t>
             </a:fld>
             <a:endParaRPr lang="en-US"/>
           </a:p>
@@ -10589,7 +14149,7 @@
           <a:p>
             <a:fld id="{241EB5C9-1307-BA42-ABA2-0BC069CD8E7F}" type="datetimeFigureOut">
               <a:rPr lang="en-US" smtClean="0"/>
-              <a:t>5/18/2025</a:t>
+              <a:t>5/24/2025</a:t>
             </a:fld>
             <a:endParaRPr lang="en-US"/>
           </a:p>
@@ -10767,7 +14327,7 @@
           <a:p>
             <a:fld id="{241EB5C9-1307-BA42-ABA2-0BC069CD8E7F}" type="datetimeFigureOut">
               <a:rPr lang="en-US" smtClean="0"/>
-              <a:t>5/18/2025</a:t>
+              <a:t>5/24/2025</a:t>
             </a:fld>
             <a:endParaRPr lang="en-US"/>
           </a:p>
@@ -10935,7 +14495,7 @@
           <a:p>
             <a:fld id="{241EB5C9-1307-BA42-ABA2-0BC069CD8E7F}" type="datetimeFigureOut">
               <a:rPr lang="en-US" smtClean="0"/>
-              <a:t>5/18/2025</a:t>
+              <a:t>5/24/2025</a:t>
             </a:fld>
             <a:endParaRPr lang="en-US"/>
           </a:p>
@@ -11180,7 +14740,7 @@
           <a:p>
             <a:fld id="{241EB5C9-1307-BA42-ABA2-0BC069CD8E7F}" type="datetimeFigureOut">
               <a:rPr lang="en-US" smtClean="0"/>
-              <a:t>5/18/2025</a:t>
+              <a:t>5/24/2025</a:t>
             </a:fld>
             <a:endParaRPr lang="en-US"/>
           </a:p>
@@ -11465,7 +15025,7 @@
           <a:p>
             <a:fld id="{241EB5C9-1307-BA42-ABA2-0BC069CD8E7F}" type="datetimeFigureOut">
               <a:rPr lang="en-US" smtClean="0"/>
-              <a:t>5/18/2025</a:t>
+              <a:t>5/24/2025</a:t>
             </a:fld>
             <a:endParaRPr lang="en-US"/>
           </a:p>
@@ -11884,7 +15444,7 @@
           <a:p>
             <a:fld id="{241EB5C9-1307-BA42-ABA2-0BC069CD8E7F}" type="datetimeFigureOut">
               <a:rPr lang="en-US" smtClean="0"/>
-              <a:t>5/18/2025</a:t>
+              <a:t>5/24/2025</a:t>
             </a:fld>
             <a:endParaRPr lang="en-US"/>
           </a:p>
@@ -12001,7 +15561,7 @@
           <a:p>
             <a:fld id="{241EB5C9-1307-BA42-ABA2-0BC069CD8E7F}" type="datetimeFigureOut">
               <a:rPr lang="en-US" smtClean="0"/>
-              <a:t>5/18/2025</a:t>
+              <a:t>5/24/2025</a:t>
             </a:fld>
             <a:endParaRPr lang="en-US"/>
           </a:p>
@@ -12096,7 +15656,7 @@
           <a:p>
             <a:fld id="{241EB5C9-1307-BA42-ABA2-0BC069CD8E7F}" type="datetimeFigureOut">
               <a:rPr lang="en-US" smtClean="0"/>
-              <a:t>5/18/2025</a:t>
+              <a:t>5/24/2025</a:t>
             </a:fld>
             <a:endParaRPr lang="en-US"/>
           </a:p>
@@ -12371,7 +15931,7 @@
           <a:p>
             <a:fld id="{241EB5C9-1307-BA42-ABA2-0BC069CD8E7F}" type="datetimeFigureOut">
               <a:rPr lang="en-US" smtClean="0"/>
-              <a:t>5/18/2025</a:t>
+              <a:t>5/24/2025</a:t>
             </a:fld>
             <a:endParaRPr lang="en-US"/>
           </a:p>
@@ -12623,7 +16183,7 @@
           <a:p>
             <a:fld id="{241EB5C9-1307-BA42-ABA2-0BC069CD8E7F}" type="datetimeFigureOut">
               <a:rPr lang="en-US" smtClean="0"/>
-              <a:t>5/18/2025</a:t>
+              <a:t>5/24/2025</a:t>
             </a:fld>
             <a:endParaRPr lang="en-US"/>
           </a:p>
@@ -12834,7 +16394,7 @@
           <a:p>
             <a:fld id="{241EB5C9-1307-BA42-ABA2-0BC069CD8E7F}" type="datetimeFigureOut">
               <a:rPr lang="en-US" smtClean="0"/>
-              <a:t>5/18/2025</a:t>
+              <a:t>5/24/2025</a:t>
             </a:fld>
             <a:endParaRPr lang="en-US"/>
           </a:p>
@@ -14382,6 +17942,342 @@
           <p:cNvPr id="9" name="Rectangle 8">
             <a:extLst>
               <a:ext uri="{FF2B5EF4-FFF2-40B4-BE49-F238E27FC236}">
+                <a16:creationId xmlns:a16="http://schemas.microsoft.com/office/drawing/2014/main" id="{2659FDB4-FCBE-4A89-B46D-43D4FA54464D}"/>
+              </a:ext>
+              <a:ext uri="{C183D7F6-B498-43B3-948B-1728B52AA6E4}">
+                <adec:decorative xmlns:adec="http://schemas.microsoft.com/office/drawing/2017/decorative" val="1"/>
+              </a:ext>
+            </a:extLst>
+          </p:cNvPr>
+          <p:cNvSpPr>
+            <a:spLocks noGrp="1" noRot="1" noChangeAspect="1" noMove="1" noResize="1" noEditPoints="1" noAdjustHandles="1" noChangeArrowheads="1" noChangeShapeType="1" noTextEdit="1"/>
+          </p:cNvSpPr>
+          <p:nvPr>
+            <p:extLst>
+              <p:ext uri="{386F3935-93C4-4BCD-93E2-E3B085C9AB24}">
+                <p16:designElem xmlns:p16="http://schemas.microsoft.com/office/powerpoint/2015/main" val="1"/>
+              </p:ext>
+            </p:extLst>
+          </p:nvPr>
+        </p:nvSpPr>
+        <p:spPr>
+          <a:xfrm>
+            <a:off x="0" y="6234"/>
+            <a:ext cx="9144000" cy="5143500"/>
+          </a:xfrm>
+          <a:prstGeom prst="rect">
+            <a:avLst/>
+          </a:prstGeom>
+          <a:ln>
+            <a:noFill/>
+          </a:ln>
+        </p:spPr>
+        <p:style>
+          <a:lnRef idx="2">
+            <a:schemeClr val="accent1">
+              <a:shade val="50000"/>
+            </a:schemeClr>
+          </a:lnRef>
+          <a:fillRef idx="1">
+            <a:schemeClr val="accent1"/>
+          </a:fillRef>
+          <a:effectRef idx="0">
+            <a:schemeClr val="accent1"/>
+          </a:effectRef>
+          <a:fontRef idx="minor">
+            <a:schemeClr val="lt1"/>
+          </a:fontRef>
+        </p:style>
+        <p:txBody>
+          <a:bodyPr rtlCol="0" anchor="ctr"/>
+          <a:lstStyle/>
+          <a:p>
+            <a:pPr algn="ctr"/>
+            <a:endParaRPr lang="en-US">
+              <a:solidFill>
+                <a:schemeClr val="bg1"/>
+              </a:solidFill>
+            </a:endParaRPr>
+          </a:p>
+        </p:txBody>
+      </p:sp>
+      <p:sp>
+        <p:nvSpPr>
+          <p:cNvPr id="2" name="Title 1">
+            <a:extLst>
+              <a:ext uri="{FF2B5EF4-FFF2-40B4-BE49-F238E27FC236}">
+                <a16:creationId xmlns:a16="http://schemas.microsoft.com/office/drawing/2014/main" id="{6FFE3D55-64AF-A0E3-A1AC-69EE21E89E70}"/>
+              </a:ext>
+            </a:extLst>
+          </p:cNvPr>
+          <p:cNvSpPr>
+            <a:spLocks noGrp="1"/>
+          </p:cNvSpPr>
+          <p:nvPr>
+            <p:ph type="title"/>
+          </p:nvPr>
+        </p:nvSpPr>
+        <p:spPr>
+          <a:xfrm>
+            <a:off x="359545" y="803100"/>
+            <a:ext cx="2954766" cy="4187344"/>
+          </a:xfrm>
+        </p:spPr>
+        <p:txBody>
+          <a:bodyPr>
+            <a:normAutofit/>
+          </a:bodyPr>
+          <a:lstStyle/>
+          <a:p>
+            <a:pPr algn="r"/>
+            <a:r>
+              <a:rPr lang="en-GB" sz="4700"/>
+              <a:t>Search GUI Conidtions</a:t>
+            </a:r>
+          </a:p>
+        </p:txBody>
+      </p:sp>
+      <p:cxnSp>
+        <p:nvCxnSpPr>
+          <p:cNvPr id="11" name="Straight Connector 10">
+            <a:extLst>
+              <a:ext uri="{FF2B5EF4-FFF2-40B4-BE49-F238E27FC236}">
+                <a16:creationId xmlns:a16="http://schemas.microsoft.com/office/drawing/2014/main" id="{C8F51B3F-8331-4E4A-AE96-D47B1006EEAD}"/>
+              </a:ext>
+              <a:ext uri="{C183D7F6-B498-43B3-948B-1728B52AA6E4}">
+                <adec:decorative xmlns:adec="http://schemas.microsoft.com/office/drawing/2017/decorative" val="1"/>
+              </a:ext>
+            </a:extLst>
+          </p:cNvPr>
+          <p:cNvCxnSpPr>
+            <a:cxnSpLocks noGrp="1" noRot="1" noChangeAspect="1" noMove="1" noResize="1" noEditPoints="1" noAdjustHandles="1" noChangeArrowheads="1" noChangeShapeType="1"/>
+          </p:cNvCxnSpPr>
+          <p:nvPr>
+            <p:extLst>
+              <p:ext uri="{386F3935-93C4-4BCD-93E2-E3B085C9AB24}">
+                <p16:designElem xmlns:p16="http://schemas.microsoft.com/office/powerpoint/2015/main" val="1"/>
+              </p:ext>
+            </p:extLst>
+          </p:nvPr>
+        </p:nvCxnSpPr>
+        <p:spPr>
+          <a:xfrm>
+            <a:off x="3546039" y="849085"/>
+            <a:ext cx="0" cy="4288180"/>
+          </a:xfrm>
+          <a:prstGeom prst="line">
+            <a:avLst/>
+          </a:prstGeom>
+          <a:ln w="25400" cap="sq">
+            <a:gradFill flip="none" rotWithShape="1">
+              <a:gsLst>
+                <a:gs pos="0">
+                  <a:schemeClr val="accent1"/>
+                </a:gs>
+                <a:gs pos="100000">
+                  <a:schemeClr val="accent2"/>
+                </a:gs>
+              </a:gsLst>
+              <a:lin ang="16200000" scaled="1"/>
+              <a:tileRect/>
+            </a:gradFill>
+            <a:bevel/>
+          </a:ln>
+        </p:spPr>
+        <p:style>
+          <a:lnRef idx="1">
+            <a:schemeClr val="accent1"/>
+          </a:lnRef>
+          <a:fillRef idx="0">
+            <a:schemeClr val="accent1"/>
+          </a:fillRef>
+          <a:effectRef idx="0">
+            <a:schemeClr val="accent1"/>
+          </a:effectRef>
+          <a:fontRef idx="minor">
+            <a:schemeClr val="tx1"/>
+          </a:fontRef>
+        </p:style>
+      </p:cxnSp>
+      <p:graphicFrame>
+        <p:nvGraphicFramePr>
+          <p:cNvPr id="6" name="Content Placeholder 2">
+            <a:extLst>
+              <a:ext uri="{FF2B5EF4-FFF2-40B4-BE49-F238E27FC236}">
+                <a16:creationId xmlns:a16="http://schemas.microsoft.com/office/drawing/2014/main" id="{AD14D7BE-CC13-B529-CEBF-BA3A1C11AF47}"/>
+              </a:ext>
+            </a:extLst>
+          </p:cNvPr>
+          <p:cNvGraphicFramePr>
+            <a:graphicFrameLocks noGrp="1"/>
+          </p:cNvGraphicFramePr>
+          <p:nvPr>
+            <p:ph idx="1"/>
+            <p:extLst>
+              <p:ext uri="{D42A27DB-BD31-4B8C-83A1-F6EECF244321}">
+                <p14:modId xmlns:p14="http://schemas.microsoft.com/office/powerpoint/2010/main" val="3960041862"/>
+              </p:ext>
+            </p:extLst>
+          </p:nvPr>
+        </p:nvGraphicFramePr>
+        <p:xfrm>
+          <a:off x="3831401" y="803100"/>
+          <a:ext cx="4683949" cy="4192010"/>
+        </p:xfrm>
+        <a:graphic>
+          <a:graphicData uri="http://schemas.openxmlformats.org/drawingml/2006/diagram">
+            <dgm:relIds xmlns:dgm="http://schemas.openxmlformats.org/drawingml/2006/diagram" xmlns:r="http://schemas.openxmlformats.org/officeDocument/2006/relationships" r:dm="rId2" r:lo="rId3" r:qs="rId4" r:cs="rId5"/>
+          </a:graphicData>
+        </a:graphic>
+      </p:graphicFrame>
+      <p:pic>
+        <p:nvPicPr>
+          <p:cNvPr id="7" name="Picture 6" descr="A screenshot of a computer&#10;&#10;AI-generated content may be incorrect.">
+            <a:extLst>
+              <a:ext uri="{FF2B5EF4-FFF2-40B4-BE49-F238E27FC236}">
+                <a16:creationId xmlns:a16="http://schemas.microsoft.com/office/drawing/2014/main" id="{515D520D-7E4F-7D17-80D3-5262FC87FA2C}"/>
+              </a:ext>
+            </a:extLst>
+          </p:cNvPr>
+          <p:cNvPicPr>
+            <a:picLocks noChangeAspect="1"/>
+          </p:cNvPicPr>
+          <p:nvPr/>
+        </p:nvPicPr>
+        <p:blipFill>
+          <a:blip r:embed="rId7"/>
+          <a:stretch>
+            <a:fillRect/>
+          </a:stretch>
+        </p:blipFill>
+        <p:spPr>
+          <a:xfrm>
+            <a:off x="882769" y="214137"/>
+            <a:ext cx="6951558" cy="5143500"/>
+          </a:xfrm>
+          <a:prstGeom prst="rect">
+            <a:avLst/>
+          </a:prstGeom>
+        </p:spPr>
+      </p:pic>
+    </p:spTree>
+    <p:extLst>
+      <p:ext uri="{BB962C8B-B14F-4D97-AF65-F5344CB8AC3E}">
+        <p14:creationId xmlns:p14="http://schemas.microsoft.com/office/powerpoint/2010/main" val="2369147386"/>
+      </p:ext>
+    </p:extLst>
+  </p:cSld>
+  <p:clrMapOvr>
+    <a:masterClrMapping/>
+  </p:clrMapOvr>
+  <p:timing>
+    <p:tnLst>
+      <p:par>
+        <p:cTn id="1" dur="indefinite" restart="never" nodeType="tmRoot">
+          <p:childTnLst>
+            <p:seq concurrent="1" nextAc="seek">
+              <p:cTn id="2" dur="indefinite" nodeType="mainSeq">
+                <p:childTnLst>
+                  <p:par>
+                    <p:cTn id="3" fill="hold">
+                      <p:stCondLst>
+                        <p:cond delay="indefinite"/>
+                      </p:stCondLst>
+                      <p:childTnLst>
+                        <p:par>
+                          <p:cTn id="4" fill="hold">
+                            <p:stCondLst>
+                              <p:cond delay="0"/>
+                            </p:stCondLst>
+                            <p:childTnLst>
+                              <p:par>
+                                <p:cTn id="5" presetID="1" presetClass="entr" presetSubtype="0" fill="hold" nodeType="clickEffect">
+                                  <p:stCondLst>
+                                    <p:cond delay="0"/>
+                                  </p:stCondLst>
+                                  <p:childTnLst>
+                                    <p:set>
+                                      <p:cBhvr>
+                                        <p:cTn id="6" dur="1" fill="hold">
+                                          <p:stCondLst>
+                                            <p:cond delay="0"/>
+                                          </p:stCondLst>
+                                        </p:cTn>
+                                        <p:tgtEl>
+                                          <p:spTgt spid="7"/>
+                                        </p:tgtEl>
+                                        <p:attrNameLst>
+                                          <p:attrName>style.visibility</p:attrName>
+                                        </p:attrNameLst>
+                                      </p:cBhvr>
+                                      <p:to>
+                                        <p:strVal val="visible"/>
+                                      </p:to>
+                                    </p:set>
+                                  </p:childTnLst>
+                                </p:cTn>
+                              </p:par>
+                            </p:childTnLst>
+                          </p:cTn>
+                        </p:par>
+                      </p:childTnLst>
+                    </p:cTn>
+                  </p:par>
+                </p:childTnLst>
+              </p:cTn>
+              <p:prevCondLst>
+                <p:cond evt="onPrev" delay="0">
+                  <p:tgtEl>
+                    <p:sldTgt/>
+                  </p:tgtEl>
+                </p:cond>
+              </p:prevCondLst>
+              <p:nextCondLst>
+                <p:cond evt="onNext" delay="0">
+                  <p:tgtEl>
+                    <p:sldTgt/>
+                  </p:tgtEl>
+                </p:cond>
+              </p:nextCondLst>
+            </p:seq>
+          </p:childTnLst>
+        </p:cTn>
+      </p:par>
+    </p:tnLst>
+  </p:timing>
+</p:sld>
+</file>
+
+<file path=ppt/slides/slide6.xml><?xml version="1.0" encoding="utf-8"?>
+<p:sld xmlns:a="http://schemas.openxmlformats.org/drawingml/2006/main" xmlns:r="http://schemas.openxmlformats.org/officeDocument/2006/relationships" xmlns:p="http://schemas.openxmlformats.org/presentationml/2006/main">
+  <p:cSld>
+    <p:bg>
+      <p:bgPr>
+        <a:solidFill>
+          <a:schemeClr val="bg1"/>
+        </a:solidFill>
+        <a:effectLst/>
+      </p:bgPr>
+    </p:bg>
+    <p:spTree>
+      <p:nvGrpSpPr>
+        <p:cNvPr id="1" name=""/>
+        <p:cNvGrpSpPr/>
+        <p:nvPr/>
+      </p:nvGrpSpPr>
+      <p:grpSpPr>
+        <a:xfrm>
+          <a:off x="0" y="0"/>
+          <a:ext cx="0" cy="0"/>
+          <a:chOff x="0" y="0"/>
+          <a:chExt cx="0" cy="0"/>
+        </a:xfrm>
+      </p:grpSpPr>
+      <p:sp useBgFill="1">
+        <p:nvSpPr>
+          <p:cNvPr id="9" name="Rectangle 8">
+            <a:extLst>
+              <a:ext uri="{FF2B5EF4-FFF2-40B4-BE49-F238E27FC236}">
                 <a16:creationId xmlns:a16="http://schemas.microsoft.com/office/drawing/2014/main" id="{56E9B3E6-E277-4D68-BA48-9CB43FFBD6E2}"/>
               </a:ext>
               <a:ext uri="{C183D7F6-B498-43B3-948B-1728B52AA6E4}">
@@ -14859,7 +18755,7 @@
 </p:sld>
 </file>
 
-<file path=ppt/slides/slide6.xml><?xml version="1.0" encoding="utf-8"?>
+<file path=ppt/slides/slide7.xml><?xml version="1.0" encoding="utf-8"?>
 <p:sld xmlns:a="http://schemas.openxmlformats.org/drawingml/2006/main" xmlns:r="http://schemas.openxmlformats.org/officeDocument/2006/relationships" xmlns:p="http://schemas.openxmlformats.org/presentationml/2006/main">
   <p:cSld>
     <p:bg>
